--- a/teaching/CS412Summer17-Chapter3.pptx
+++ b/teaching/CS412Summer17-Chapter3.pptx
@@ -5,10 +5,10 @@
     <p:sldMasterId id="2147483648" r:id="rId1"/>
   </p:sldMasterIdLst>
   <p:notesMasterIdLst>
-    <p:notesMasterId r:id="rId46"/>
+    <p:notesMasterId r:id="rId48"/>
   </p:notesMasterIdLst>
   <p:handoutMasterIdLst>
-    <p:handoutMasterId r:id="rId47"/>
+    <p:handoutMasterId r:id="rId49"/>
   </p:handoutMasterIdLst>
   <p:sldIdLst>
     <p:sldId id="281" r:id="rId2"/>
@@ -31,30 +31,32 @@
     <p:sldId id="303" r:id="rId19"/>
     <p:sldId id="304" r:id="rId20"/>
     <p:sldId id="305" r:id="rId21"/>
-    <p:sldId id="323" r:id="rId22"/>
-    <p:sldId id="306" r:id="rId23"/>
-    <p:sldId id="307" r:id="rId24"/>
-    <p:sldId id="308" r:id="rId25"/>
-    <p:sldId id="309" r:id="rId26"/>
-    <p:sldId id="310" r:id="rId27"/>
-    <p:sldId id="311" r:id="rId28"/>
-    <p:sldId id="317" r:id="rId29"/>
-    <p:sldId id="312" r:id="rId30"/>
-    <p:sldId id="313" r:id="rId31"/>
-    <p:sldId id="314" r:id="rId32"/>
-    <p:sldId id="315" r:id="rId33"/>
-    <p:sldId id="316" r:id="rId34"/>
-    <p:sldId id="318" r:id="rId35"/>
-    <p:sldId id="329" r:id="rId36"/>
-    <p:sldId id="324" r:id="rId37"/>
-    <p:sldId id="320" r:id="rId38"/>
-    <p:sldId id="321" r:id="rId39"/>
-    <p:sldId id="286" r:id="rId40"/>
-    <p:sldId id="287" r:id="rId41"/>
-    <p:sldId id="325" r:id="rId42"/>
-    <p:sldId id="326" r:id="rId43"/>
-    <p:sldId id="328" r:id="rId44"/>
-    <p:sldId id="288" r:id="rId45"/>
+    <p:sldId id="331" r:id="rId22"/>
+    <p:sldId id="332" r:id="rId23"/>
+    <p:sldId id="323" r:id="rId24"/>
+    <p:sldId id="306" r:id="rId25"/>
+    <p:sldId id="307" r:id="rId26"/>
+    <p:sldId id="308" r:id="rId27"/>
+    <p:sldId id="309" r:id="rId28"/>
+    <p:sldId id="310" r:id="rId29"/>
+    <p:sldId id="311" r:id="rId30"/>
+    <p:sldId id="317" r:id="rId31"/>
+    <p:sldId id="312" r:id="rId32"/>
+    <p:sldId id="313" r:id="rId33"/>
+    <p:sldId id="314" r:id="rId34"/>
+    <p:sldId id="315" r:id="rId35"/>
+    <p:sldId id="316" r:id="rId36"/>
+    <p:sldId id="318" r:id="rId37"/>
+    <p:sldId id="329" r:id="rId38"/>
+    <p:sldId id="324" r:id="rId39"/>
+    <p:sldId id="320" r:id="rId40"/>
+    <p:sldId id="321" r:id="rId41"/>
+    <p:sldId id="286" r:id="rId42"/>
+    <p:sldId id="287" r:id="rId43"/>
+    <p:sldId id="325" r:id="rId44"/>
+    <p:sldId id="326" r:id="rId45"/>
+    <p:sldId id="328" r:id="rId46"/>
+    <p:sldId id="288" r:id="rId47"/>
   </p:sldIdLst>
   <p:sldSz cx="9144000" cy="6858000" type="screen4x3"/>
   <p:notesSz cx="6858000" cy="9144000"/>
@@ -260,7 +262,7 @@
           <a:p>
             <a:fld id="{43492DA4-7033-254B-9755-02E963D2D60B}" type="datetimeFigureOut">
               <a:rPr lang="en-US" smtClean="0"/>
-              <a:t>5/26/17</a:t>
+              <a:t>6/4/17</a:t>
             </a:fld>
             <a:endParaRPr lang="en-US"/>
           </a:p>
@@ -426,7 +428,7 @@
           <a:p>
             <a:fld id="{3233186B-3F56-2747-A708-0F062C13EF5A}" type="datetimeFigureOut">
               <a:rPr lang="en-US" smtClean="0"/>
-              <a:t>5/26/17</a:t>
+              <a:t>6/4/17</a:t>
             </a:fld>
             <a:endParaRPr lang="en-US"/>
           </a:p>
@@ -693,6 +695,94 @@
     </a:lvl9pPr>
   </p:notesStyle>
 </p:notesMaster>
+</file>
+
+<file path=ppt/notesSlides/notesSlide1.xml><?xml version="1.0" encoding="utf-8"?>
+<p:notes xmlns:a="http://schemas.openxmlformats.org/drawingml/2006/main" xmlns:r="http://schemas.openxmlformats.org/officeDocument/2006/relationships" xmlns:p="http://schemas.openxmlformats.org/presentationml/2006/main">
+  <p:cSld>
+    <p:spTree>
+      <p:nvGrpSpPr>
+        <p:cNvPr id="1" name=""/>
+        <p:cNvGrpSpPr/>
+        <p:nvPr/>
+      </p:nvGrpSpPr>
+      <p:grpSpPr>
+        <a:xfrm>
+          <a:off x="0" y="0"/>
+          <a:ext cx="0" cy="0"/>
+          <a:chOff x="0" y="0"/>
+          <a:chExt cx="0" cy="0"/>
+        </a:xfrm>
+      </p:grpSpPr>
+      <p:sp>
+        <p:nvSpPr>
+          <p:cNvPr id="2" name="Slide Image Placeholder 1"/>
+          <p:cNvSpPr>
+            <a:spLocks noGrp="1" noRot="1" noChangeAspect="1"/>
+          </p:cNvSpPr>
+          <p:nvPr>
+            <p:ph type="sldImg"/>
+          </p:nvPr>
+        </p:nvSpPr>
+        <p:spPr/>
+      </p:sp>
+      <p:sp>
+        <p:nvSpPr>
+          <p:cNvPr id="3" name="Notes Placeholder 2"/>
+          <p:cNvSpPr>
+            <a:spLocks noGrp="1"/>
+          </p:cNvSpPr>
+          <p:nvPr>
+            <p:ph type="body" idx="1"/>
+          </p:nvPr>
+        </p:nvSpPr>
+        <p:spPr/>
+        <p:txBody>
+          <a:bodyPr/>
+          <a:lstStyle/>
+          <a:p>
+            <a:r>
+              <a:rPr lang="en-US" dirty="0" smtClean="0"/>
+              <a:t>Sensors</a:t>
+            </a:r>
+            <a:endParaRPr lang="en-US" dirty="0"/>
+          </a:p>
+        </p:txBody>
+      </p:sp>
+      <p:sp>
+        <p:nvSpPr>
+          <p:cNvPr id="4" name="Slide Number Placeholder 3"/>
+          <p:cNvSpPr>
+            <a:spLocks noGrp="1"/>
+          </p:cNvSpPr>
+          <p:nvPr>
+            <p:ph type="sldNum" sz="quarter" idx="10"/>
+          </p:nvPr>
+        </p:nvSpPr>
+        <p:spPr/>
+        <p:txBody>
+          <a:bodyPr/>
+          <a:lstStyle/>
+          <a:p>
+            <a:fld id="{09C9EB6B-96A1-6146-928C-891905651823}" type="slidenum">
+              <a:rPr lang="en-US" smtClean="0"/>
+              <a:t>7</a:t>
+            </a:fld>
+            <a:endParaRPr lang="en-US"/>
+          </a:p>
+        </p:txBody>
+      </p:sp>
+    </p:spTree>
+    <p:extLst>
+      <p:ext uri="{BB962C8B-B14F-4D97-AF65-F5344CB8AC3E}">
+        <p14:creationId xmlns:p14="http://schemas.microsoft.com/office/powerpoint/2010/main" val="991743775"/>
+      </p:ext>
+    </p:extLst>
+  </p:cSld>
+  <p:clrMapOvr>
+    <a:masterClrMapping/>
+  </p:clrMapOvr>
+</p:notes>
 </file>
 
 <file path=ppt/slideLayouts/slideLayout1.xml><?xml version="1.0" encoding="utf-8"?>
@@ -3636,6 +3726,36 @@
           <a:chExt cx="0" cy="0"/>
         </a:xfrm>
       </p:grpSpPr>
+      <p:pic>
+        <p:nvPicPr>
+          <p:cNvPr id="4" name="Picture 3"/>
+          <p:cNvPicPr>
+            <a:picLocks noChangeAspect="1"/>
+          </p:cNvPicPr>
+          <p:nvPr/>
+        </p:nvPicPr>
+        <p:blipFill>
+          <a:blip r:embed="rId2">
+            <a:extLst>
+              <a:ext uri="{28A0092B-C50C-407E-A947-70E740481C1C}">
+                <a14:useLocalDpi xmlns:a14="http://schemas.microsoft.com/office/drawing/2010/main" val="0"/>
+              </a:ext>
+            </a:extLst>
+          </a:blip>
+          <a:stretch>
+            <a:fillRect/>
+          </a:stretch>
+        </p:blipFill>
+        <p:spPr>
+          <a:xfrm>
+            <a:off x="0" y="0"/>
+            <a:ext cx="9144000" cy="6090047"/>
+          </a:xfrm>
+          <a:prstGeom prst="rect">
+            <a:avLst/>
+          </a:prstGeom>
+        </p:spPr>
+      </p:pic>
       <p:sp>
         <p:nvSpPr>
           <p:cNvPr id="3" name="Subtitle 2"/>
@@ -3648,7 +3768,7 @@
         </p:nvSpPr>
         <p:spPr>
           <a:xfrm>
-            <a:off x="685800" y="4577933"/>
+            <a:off x="685800" y="5105400"/>
             <a:ext cx="7456311" cy="1752600"/>
           </a:xfrm>
         </p:spPr>
@@ -3660,25 +3780,25 @@
           <a:p>
             <a:pPr algn="l"/>
             <a:r>
-              <a:rPr lang="en-US" altLang="zh-CN" smtClean="0">
+              <a:rPr lang="en-US" altLang="zh-CN" dirty="0" smtClean="0">
                 <a:solidFill>
-                  <a:srgbClr val="000000"/>
+                  <a:schemeClr val="bg1"/>
                 </a:solidFill>
               </a:rPr>
               <a:t>Meng</a:t>
             </a:r>
             <a:r>
-              <a:rPr lang="zh-CN" altLang="en-US" smtClean="0">
+              <a:rPr lang="zh-CN" altLang="en-US" dirty="0" smtClean="0">
                 <a:solidFill>
-                  <a:srgbClr val="000000"/>
+                  <a:schemeClr val="bg1"/>
                 </a:solidFill>
               </a:rPr>
               <a:t> </a:t>
             </a:r>
             <a:r>
-              <a:rPr lang="en-US" altLang="zh-CN" smtClean="0">
+              <a:rPr lang="en-US" altLang="zh-CN" dirty="0" smtClean="0">
                 <a:solidFill>
-                  <a:srgbClr val="000000"/>
+                  <a:schemeClr val="bg1"/>
                 </a:solidFill>
               </a:rPr>
               <a:t>Jiang</a:t>
@@ -3687,21 +3807,24 @@
           <a:p>
             <a:pPr algn="l"/>
             <a:r>
-              <a:rPr lang="en-US" altLang="zh-CN" smtClean="0"/>
+              <a:rPr lang="en-US" altLang="zh-CN" dirty="0" smtClean="0">
+                <a:solidFill>
+                  <a:srgbClr val="C00000"/>
+                </a:solidFill>
+              </a:rPr>
               <a:t>CS412 Summer 2017:</a:t>
             </a:r>
           </a:p>
           <a:p>
             <a:pPr algn="l"/>
             <a:r>
-              <a:rPr lang="en-US" altLang="zh-CN" smtClean="0"/>
+              <a:rPr lang="en-US" altLang="zh-CN" dirty="0" smtClean="0">
+                <a:solidFill>
+                  <a:srgbClr val="C00000"/>
+                </a:solidFill>
+              </a:rPr>
               <a:t>Introduction to Data Mining</a:t>
             </a:r>
-            <a:endParaRPr lang="en-US" altLang="zh-CN" dirty="0" smtClean="0">
-              <a:solidFill>
-                <a:srgbClr val="000000"/>
-              </a:solidFill>
-            </a:endParaRPr>
           </a:p>
         </p:txBody>
       </p:sp>
@@ -3717,7 +3840,7 @@
         </p:nvSpPr>
         <p:spPr>
           <a:xfrm>
-            <a:off x="685800" y="1256514"/>
+            <a:off x="685800" y="2837327"/>
             <a:ext cx="7772400" cy="2268074"/>
           </a:xfrm>
         </p:spPr>
@@ -3729,30 +3852,50 @@
           <a:p>
             <a:pPr algn="l"/>
             <a:r>
-              <a:rPr lang="en-US" altLang="zh-CN" dirty="0" smtClean="0"/>
-              <a:t>Chapter </a:t>
-            </a:r>
-            <a:r>
-              <a:rPr lang="en-US" altLang="zh-CN" dirty="0" smtClean="0"/>
-              <a:t>3.</a:t>
-            </a:r>
-            <a:r>
-              <a:rPr lang="zh-CN" altLang="en-US" dirty="0"/>
+              <a:rPr lang="en-US" altLang="zh-CN" dirty="0" smtClean="0">
+                <a:solidFill>
+                  <a:schemeClr val="bg1"/>
+                </a:solidFill>
+              </a:rPr>
+              <a:t>Chapter 3.</a:t>
+            </a:r>
+            <a:r>
+              <a:rPr lang="zh-CN" altLang="en-US" dirty="0">
+                <a:solidFill>
+                  <a:schemeClr val="bg1"/>
+                </a:solidFill>
+              </a:rPr>
               <a:t> </a:t>
             </a:r>
             <a:r>
-              <a:rPr lang="en-US" altLang="zh-CN" dirty="0" smtClean="0"/>
+              <a:rPr lang="en-US" altLang="zh-CN" dirty="0" smtClean="0">
+                <a:solidFill>
+                  <a:schemeClr val="bg1"/>
+                </a:solidFill>
+              </a:rPr>
               <a:t>Data</a:t>
             </a:r>
             <a:r>
-              <a:rPr lang="zh-CN" altLang="en-US" dirty="0" smtClean="0"/>
+              <a:rPr lang="zh-CN" altLang="en-US" dirty="0" smtClean="0">
+                <a:solidFill>
+                  <a:schemeClr val="bg1"/>
+                </a:solidFill>
+              </a:rPr>
               <a:t> </a:t>
             </a:r>
             <a:r>
-              <a:rPr lang="en-US" altLang="zh-CN" dirty="0" smtClean="0"/>
+              <a:rPr lang="en-US" altLang="zh-CN" dirty="0" smtClean="0">
+                <a:solidFill>
+                  <a:schemeClr val="bg1"/>
+                </a:solidFill>
+              </a:rPr>
               <a:t>Processing</a:t>
             </a:r>
-            <a:endParaRPr lang="en-US" dirty="0"/>
+            <a:endParaRPr lang="en-US" dirty="0">
+              <a:solidFill>
+                <a:schemeClr val="bg1"/>
+              </a:solidFill>
+            </a:endParaRPr>
           </a:p>
         </p:txBody>
       </p:sp>
@@ -4281,10 +4424,18 @@
             <a:r>
               <a:rPr lang="en-US" altLang="en-US" sz="2400" i="1" dirty="0">
                 <a:solidFill>
+                  <a:srgbClr val="7030A0"/>
+                </a:solidFill>
+              </a:rPr>
+              <a:t>correlation analysis</a:t>
+            </a:r>
+            <a:r>
+              <a:rPr lang="en-US" altLang="en-US" sz="2400" i="1" dirty="0">
+                <a:solidFill>
                   <a:srgbClr val="FF0000"/>
                 </a:solidFill>
               </a:rPr>
-              <a:t>correlation analysis </a:t>
+              <a:t> </a:t>
             </a:r>
             <a:r>
               <a:rPr lang="en-US" altLang="en-US" sz="2400" dirty="0">
@@ -4300,11 +4451,19 @@
                   <a:srgbClr val="FF0000"/>
                 </a:solidFill>
               </a:rPr>
-              <a:t> covariance analysis</a:t>
+              <a:t> </a:t>
+            </a:r>
+            <a:r>
+              <a:rPr lang="en-US" altLang="en-US" sz="2400" i="1" dirty="0">
+                <a:solidFill>
+                  <a:srgbClr val="7030A0"/>
+                </a:solidFill>
+              </a:rPr>
+              <a:t>covariance analysis</a:t>
             </a:r>
             <a:endParaRPr lang="en-US" altLang="en-US" sz="2400" dirty="0">
               <a:solidFill>
-                <a:srgbClr val="FF0000"/>
+                <a:srgbClr val="7030A0"/>
               </a:solidFill>
             </a:endParaRPr>
           </a:p>
@@ -4683,7 +4842,29 @@
                 <a:ea typeface="Corbel" charset="0"/>
                 <a:cs typeface="Corbel" charset="0"/>
               </a:rPr>
-              <a:t> value, the more likely the variables are related</a:t>
+              <a:t> value, </a:t>
+            </a:r>
+            <a:r>
+              <a:rPr lang="en-US" altLang="en-US" dirty="0" smtClean="0">
+                <a:solidFill>
+                  <a:srgbClr val="FF0000"/>
+                </a:solidFill>
+                <a:latin typeface="Corbel" charset="0"/>
+                <a:ea typeface="Corbel" charset="0"/>
+                <a:cs typeface="Corbel" charset="0"/>
+              </a:rPr>
+              <a:t>the more the null hypothesis of independence is rejected, and the </a:t>
+            </a:r>
+            <a:r>
+              <a:rPr lang="en-US" altLang="en-US" dirty="0">
+                <a:solidFill>
+                  <a:srgbClr val="FF0000"/>
+                </a:solidFill>
+                <a:latin typeface="Corbel" charset="0"/>
+                <a:ea typeface="Corbel" charset="0"/>
+                <a:cs typeface="Corbel" charset="0"/>
+              </a:rPr>
+              <a:t>more likely the variables are related</a:t>
             </a:r>
           </a:p>
           <a:p>
@@ -6599,7 +6780,6 @@
               <a:rPr lang="en-US" dirty="0"/>
               <a:t>450/1500 * 300 = 90</a:t>
             </a:r>
-            <a:endParaRPr lang="en-US" dirty="0"/>
           </a:p>
         </p:txBody>
       </p:sp>
@@ -6625,7 +6805,7 @@
           <a:graphicData uri="http://schemas.openxmlformats.org/presentationml/2006/ole">
             <mc:AlternateContent xmlns:mc="http://schemas.openxmlformats.org/markup-compatibility/2006">
               <mc:Choice xmlns:v="urn:schemas-microsoft-com:vml" Requires="v">
-                <p:oleObj spid="_x0000_s1057" name="Equation" r:id="rId3" imgW="4381500" imgH="419100" progId="Equation.3">
+                <p:oleObj spid="_x0000_s1070" name="Equation" r:id="rId3" imgW="4381500" imgH="419100" progId="Equation.3">
                   <p:embed/>
                 </p:oleObj>
               </mc:Choice>
@@ -7377,7 +7557,7 @@
           <a:graphicData uri="http://schemas.openxmlformats.org/presentationml/2006/ole">
             <mc:AlternateContent xmlns:mc="http://schemas.openxmlformats.org/markup-compatibility/2006">
               <mc:Choice xmlns:v="urn:schemas-microsoft-com:vml" Requires="v">
-                <p:oleObj spid="_x0000_s15445" name="Equation" r:id="rId3" imgW="4178160" imgH="838080" progId="Equation.DSMT4">
+                <p:oleObj spid="_x0000_s15482" name="Equation" r:id="rId3" imgW="4178160" imgH="838080" progId="Equation.DSMT4">
                   <p:embed/>
                 </p:oleObj>
               </mc:Choice>
@@ -7434,7 +7614,7 @@
           <a:graphicData uri="http://schemas.openxmlformats.org/presentationml/2006/ole">
             <mc:AlternateContent xmlns:mc="http://schemas.openxmlformats.org/markup-compatibility/2006">
               <mc:Choice xmlns:v="urn:schemas-microsoft-com:vml" Requires="v">
-                <p:oleObj spid="_x0000_s15446" name="Equation" r:id="rId5" imgW="3555720" imgH="228600" progId="Equation.DSMT4">
+                <p:oleObj spid="_x0000_s15483" name="Equation" r:id="rId5" imgW="3555720" imgH="228600" progId="Equation.DSMT4">
                   <p:embed/>
                 </p:oleObj>
               </mc:Choice>
@@ -7491,7 +7671,7 @@
           <a:graphicData uri="http://schemas.openxmlformats.org/presentationml/2006/ole">
             <mc:AlternateContent xmlns:mc="http://schemas.openxmlformats.org/markup-compatibility/2006">
               <mc:Choice xmlns:v="urn:schemas-microsoft-com:vml" Requires="v">
-                <p:oleObj spid="_x0000_s15447" name="Equation" r:id="rId7" imgW="1193760" imgH="431640" progId="Equation.DSMT4">
+                <p:oleObj spid="_x0000_s15484" name="Equation" r:id="rId7" imgW="1193760" imgH="431640" progId="Equation.DSMT4">
                   <p:embed/>
                 </p:oleObj>
               </mc:Choice>
@@ -8200,7 +8380,7 @@
           <a:graphicData uri="http://schemas.openxmlformats.org/presentationml/2006/ole">
             <mc:AlternateContent xmlns:mc="http://schemas.openxmlformats.org/markup-compatibility/2006">
               <mc:Choice xmlns:v="urn:schemas-microsoft-com:vml" Requires="v">
-                <p:oleObj spid="_x0000_s16466" name="Equation" r:id="rId3" imgW="4381200" imgH="228600" progId="Equation.DSMT4">
+                <p:oleObj spid="_x0000_s16503" name="Equation" r:id="rId3" imgW="4381200" imgH="228600" progId="Equation.DSMT4">
                   <p:embed/>
                 </p:oleObj>
               </mc:Choice>
@@ -8257,7 +8437,7 @@
           <a:graphicData uri="http://schemas.openxmlformats.org/presentationml/2006/ole">
             <mc:AlternateContent xmlns:mc="http://schemas.openxmlformats.org/markup-compatibility/2006">
               <mc:Choice xmlns:v="urn:schemas-microsoft-com:vml" Requires="v">
-                <p:oleObj spid="_x0000_s16467" name="Equation" r:id="rId5" imgW="1777680" imgH="431640" progId="Equation.DSMT4">
+                <p:oleObj spid="_x0000_s16504" name="Equation" r:id="rId5" imgW="1777680" imgH="431640" progId="Equation.DSMT4">
                   <p:embed/>
                 </p:oleObj>
               </mc:Choice>
@@ -8314,7 +8494,7 @@
           <a:graphicData uri="http://schemas.openxmlformats.org/presentationml/2006/ole">
             <mc:AlternateContent xmlns:mc="http://schemas.openxmlformats.org/markup-compatibility/2006">
               <mc:Choice xmlns:v="urn:schemas-microsoft-com:vml" Requires="v">
-                <p:oleObj spid="_x0000_s16468" name="Equation" r:id="rId7" imgW="3124080" imgH="431640" progId="Equation.DSMT4">
+                <p:oleObj spid="_x0000_s16505" name="Equation" r:id="rId7" imgW="3124080" imgH="431640" progId="Equation.DSMT4">
                   <p:embed/>
                 </p:oleObj>
               </mc:Choice>
@@ -8907,7 +9087,7 @@
           <a:graphicData uri="http://schemas.openxmlformats.org/presentationml/2006/ole">
             <mc:AlternateContent xmlns:mc="http://schemas.openxmlformats.org/markup-compatibility/2006">
               <mc:Choice xmlns:v="urn:schemas-microsoft-com:vml" Requires="v">
-                <p:oleObj spid="_x0000_s17461" name="Equation" r:id="rId3" imgW="4381200" imgH="228600" progId="Equation.DSMT4">
+                <p:oleObj spid="_x0000_s17486" name="Equation" r:id="rId3" imgW="4381200" imgH="228600" progId="Equation.DSMT4">
                   <p:embed/>
                 </p:oleObj>
               </mc:Choice>
@@ -8964,7 +9144,7 @@
           <a:graphicData uri="http://schemas.openxmlformats.org/presentationml/2006/ole">
             <mc:AlternateContent xmlns:mc="http://schemas.openxmlformats.org/markup-compatibility/2006">
               <mc:Choice xmlns:v="urn:schemas-microsoft-com:vml" Requires="v">
-                <p:oleObj spid="_x0000_s17462" name="Equation" r:id="rId5" imgW="1803240" imgH="228600" progId="Equation.DSMT4">
+                <p:oleObj spid="_x0000_s17487" name="Equation" r:id="rId5" imgW="1803240" imgH="228600" progId="Equation.DSMT4">
                   <p:embed/>
                 </p:oleObj>
               </mc:Choice>
@@ -9251,7 +9431,7 @@
           <a:graphicData uri="http://schemas.openxmlformats.org/presentationml/2006/ole">
             <mc:AlternateContent xmlns:mc="http://schemas.openxmlformats.org/markup-compatibility/2006">
               <mc:Choice xmlns:v="urn:schemas-microsoft-com:vml" Requires="v">
-                <p:oleObj spid="_x0000_s18475" name="Equation" r:id="rId3" imgW="1384200" imgH="469800" progId="Equation.DSMT4">
+                <p:oleObj spid="_x0000_s18500" name="Equation" r:id="rId3" imgW="1384200" imgH="469800" progId="Equation.DSMT4">
                   <p:embed/>
                 </p:oleObj>
               </mc:Choice>
@@ -9308,7 +9488,7 @@
           <a:graphicData uri="http://schemas.openxmlformats.org/presentationml/2006/ole">
             <mc:AlternateContent xmlns:mc="http://schemas.openxmlformats.org/markup-compatibility/2006">
               <mc:Choice xmlns:v="urn:schemas-microsoft-com:vml" Requires="v">
-                <p:oleObj spid="_x0000_s18476" name="Equation" r:id="rId5" imgW="2577960" imgH="876240" progId="Equation.DSMT4">
+                <p:oleObj spid="_x0000_s18501" name="Equation" r:id="rId5" imgW="2577960" imgH="876240" progId="Equation.DSMT4">
                   <p:embed/>
                 </p:oleObj>
               </mc:Choice>
@@ -9488,7 +9668,7 @@
           <a:graphicData uri="http://schemas.openxmlformats.org/presentationml/2006/ole">
             <mc:AlternateContent xmlns:mc="http://schemas.openxmlformats.org/markup-compatibility/2006">
               <mc:Choice xmlns:v="urn:schemas-microsoft-com:vml" Requires="v">
-                <p:oleObj spid="_x0000_s19476" name="Bitmap Image" r:id="rId3" imgW="6035563" imgH="5784081" progId="Paint.Picture">
+                <p:oleObj spid="_x0000_s19489" name="Bitmap Image" r:id="rId3" imgW="6035563" imgH="5784081" progId="Paint.Picture">
                   <p:embed/>
                 </p:oleObj>
               </mc:Choice>
@@ -10027,7 +10207,7 @@
           <a:graphicData uri="http://schemas.openxmlformats.org/presentationml/2006/ole">
             <mc:AlternateContent xmlns:mc="http://schemas.openxmlformats.org/markup-compatibility/2006">
               <mc:Choice xmlns:v="urn:schemas-microsoft-com:vml" Requires="v">
-                <p:oleObj spid="_x0000_s20517" name="Equation" r:id="rId3" imgW="3555720" imgH="457200" progId="Equation.DSMT4">
+                <p:oleObj spid="_x0000_s20542" name="Equation" r:id="rId3" imgW="3555720" imgH="457200" progId="Equation.DSMT4">
                   <p:embed/>
                 </p:oleObj>
               </mc:Choice>
@@ -10084,7 +10264,7 @@
           <a:graphicData uri="http://schemas.openxmlformats.org/presentationml/2006/ole">
             <mc:AlternateContent xmlns:mc="http://schemas.openxmlformats.org/markup-compatibility/2006">
               <mc:Choice xmlns:v="urn:schemas-microsoft-com:vml" Requires="v">
-                <p:oleObj spid="_x0000_s20518" name="Equation" r:id="rId5" imgW="3111480" imgH="965160" progId="Equation.DSMT4">
+                <p:oleObj spid="_x0000_s20543" name="Equation" r:id="rId5" imgW="3111480" imgH="965160" progId="Equation.DSMT4">
                   <p:embed/>
                 </p:oleObj>
               </mc:Choice>
@@ -10213,16 +10393,8 @@
           <a:lstStyle/>
           <a:p>
             <a:r>
-              <a:rPr lang="en-US" altLang="zh-CN" smtClean="0"/>
-              <a:t>Data</a:t>
-            </a:r>
-            <a:r>
-              <a:rPr lang="zh-CN" altLang="en-US" smtClean="0"/>
-              <a:t> </a:t>
-            </a:r>
-            <a:r>
-              <a:rPr lang="en-US" altLang="zh-CN" smtClean="0"/>
-              <a:t>Preprocessing</a:t>
+              <a:rPr lang="en-US" altLang="zh-CN" dirty="0" smtClean="0"/>
+              <a:t>Announcement</a:t>
             </a:r>
             <a:endParaRPr lang="en-US" dirty="0"/>
           </a:p>
@@ -10244,29 +10416,147 @@
           <a:lstStyle/>
           <a:p>
             <a:r>
-              <a:rPr lang="en-US" altLang="en-US" dirty="0" smtClean="0"/>
-              <a:t>Data cleaning</a:t>
-            </a:r>
-          </a:p>
-          <a:p>
-            <a:r>
-              <a:rPr lang="en-US" altLang="en-US" dirty="0" smtClean="0"/>
-              <a:t>Data integration</a:t>
-            </a:r>
-          </a:p>
-          <a:p>
-            <a:r>
-              <a:rPr lang="en-US" altLang="en-US" b="1" dirty="0" smtClean="0"/>
-              <a:t>Data reduction</a:t>
-            </a:r>
-            <a:endParaRPr lang="zh-CN" altLang="en-US" b="1" dirty="0" smtClean="0"/>
-          </a:p>
-          <a:p>
-            <a:r>
-              <a:rPr lang="en-US" altLang="en-US" dirty="0" smtClean="0"/>
-              <a:t>Dimensionality reduction</a:t>
-            </a:r>
-            <a:endParaRPr lang="en-US" altLang="en-US" dirty="0"/>
+              <a:rPr lang="en-US" altLang="zh-CN" dirty="0" smtClean="0"/>
+              <a:t>Assignment</a:t>
+            </a:r>
+            <a:r>
+              <a:rPr lang="zh-CN" altLang="en-US" dirty="0" smtClean="0"/>
+              <a:t> </a:t>
+            </a:r>
+            <a:r>
+              <a:rPr lang="en-US" altLang="zh-CN" dirty="0" smtClean="0"/>
+              <a:t>1</a:t>
+            </a:r>
+            <a:r>
+              <a:rPr lang="zh-CN" altLang="en-US" dirty="0" smtClean="0"/>
+              <a:t> </a:t>
+            </a:r>
+            <a:r>
+              <a:rPr lang="en-US" altLang="zh-CN" dirty="0" smtClean="0"/>
+              <a:t>is</a:t>
+            </a:r>
+            <a:r>
+              <a:rPr lang="zh-CN" altLang="en-US" dirty="0" smtClean="0"/>
+              <a:t> </a:t>
+            </a:r>
+            <a:r>
+              <a:rPr lang="en-US" altLang="zh-CN" dirty="0" smtClean="0"/>
+              <a:t>out!</a:t>
+            </a:r>
+            <a:endParaRPr lang="zh-CN" altLang="en-US" dirty="0"/>
+          </a:p>
+          <a:p>
+            <a:r>
+              <a:rPr lang="en-US" altLang="zh-CN" dirty="0" smtClean="0"/>
+              <a:t>Due</a:t>
+            </a:r>
+            <a:r>
+              <a:rPr lang="zh-CN" altLang="en-US" dirty="0" smtClean="0"/>
+              <a:t> </a:t>
+            </a:r>
+            <a:r>
+              <a:rPr lang="en-US" altLang="zh-CN" dirty="0" smtClean="0"/>
+              <a:t>date:</a:t>
+            </a:r>
+            <a:r>
+              <a:rPr lang="zh-CN" altLang="en-US" dirty="0" smtClean="0"/>
+              <a:t> </a:t>
+            </a:r>
+            <a:r>
+              <a:rPr lang="en-US" altLang="zh-CN" dirty="0" smtClean="0"/>
+              <a:t>June</a:t>
+            </a:r>
+            <a:r>
+              <a:rPr lang="zh-CN" altLang="en-US" dirty="0" smtClean="0"/>
+              <a:t> </a:t>
+            </a:r>
+            <a:r>
+              <a:rPr lang="en-US" altLang="zh-CN" dirty="0" smtClean="0"/>
+              <a:t>15</a:t>
+            </a:r>
+            <a:r>
+              <a:rPr lang="en-US" altLang="zh-CN" baseline="30000" dirty="0" smtClean="0"/>
+              <a:t>th</a:t>
+            </a:r>
+            <a:r>
+              <a:rPr lang="en-US" altLang="zh-CN" dirty="0" smtClean="0"/>
+              <a:t>.</a:t>
+            </a:r>
+            <a:endParaRPr lang="zh-CN" altLang="en-US" dirty="0" smtClean="0"/>
+          </a:p>
+          <a:p>
+            <a:r>
+              <a:rPr lang="en-US" altLang="zh-CN" dirty="0" smtClean="0"/>
+              <a:t>Compass</a:t>
+            </a:r>
+            <a:endParaRPr lang="zh-CN" altLang="en-US" dirty="0" smtClean="0"/>
+          </a:p>
+          <a:p>
+            <a:r>
+              <a:rPr lang="en-US" altLang="zh-CN" dirty="0" smtClean="0"/>
+              <a:t>TAs:</a:t>
+            </a:r>
+            <a:r>
+              <a:rPr lang="zh-CN" altLang="en-US" dirty="0" smtClean="0"/>
+              <a:t> </a:t>
+            </a:r>
+            <a:r>
+              <a:rPr lang="en-US" altLang="zh-CN" dirty="0" smtClean="0"/>
+              <a:t>Xuan</a:t>
+            </a:r>
+            <a:r>
+              <a:rPr lang="zh-CN" altLang="en-US" dirty="0" smtClean="0"/>
+              <a:t> </a:t>
+            </a:r>
+            <a:r>
+              <a:rPr lang="en-US" altLang="zh-CN" dirty="0" smtClean="0"/>
+              <a:t>Wang</a:t>
+            </a:r>
+            <a:r>
+              <a:rPr lang="zh-CN" altLang="en-US" dirty="0"/>
+              <a:t> </a:t>
+            </a:r>
+            <a:r>
+              <a:rPr lang="en-US" altLang="zh-CN" dirty="0" smtClean="0"/>
+              <a:t>(xwang174@illinois.edu)</a:t>
+            </a:r>
+            <a:r>
+              <a:rPr lang="zh-CN" altLang="en-US" dirty="0" smtClean="0"/>
+              <a:t> </a:t>
+            </a:r>
+            <a:r>
+              <a:rPr lang="en-US" altLang="zh-CN" dirty="0" smtClean="0"/>
+              <a:t>and</a:t>
+            </a:r>
+            <a:r>
+              <a:rPr lang="zh-CN" altLang="en-US" dirty="0" smtClean="0"/>
+              <a:t> </a:t>
+            </a:r>
+            <a:r>
+              <a:rPr lang="en-US" altLang="zh-CN" dirty="0" smtClean="0"/>
+              <a:t>Sheng</a:t>
+            </a:r>
+            <a:r>
+              <a:rPr lang="zh-CN" altLang="en-US" dirty="0" smtClean="0"/>
+              <a:t> </a:t>
+            </a:r>
+            <a:r>
+              <a:rPr lang="en-US" altLang="zh-CN" dirty="0" smtClean="0"/>
+              <a:t>Wang</a:t>
+            </a:r>
+            <a:r>
+              <a:rPr lang="zh-CN" altLang="en-US" dirty="0" smtClean="0"/>
+              <a:t> </a:t>
+            </a:r>
+            <a:r>
+              <a:rPr lang="en-US" altLang="zh-CN" dirty="0" smtClean="0"/>
+              <a:t>(swang141@illinois.edu)</a:t>
+            </a:r>
+            <a:r>
+              <a:rPr lang="zh-CN" altLang="en-US" dirty="0" smtClean="0"/>
+              <a:t> </a:t>
+            </a:r>
+            <a:endParaRPr lang="en-US" dirty="0"/>
           </a:p>
         </p:txBody>
       </p:sp>
@@ -10287,7 +10577,6 @@
           <a:p>
             <a:fld id="{18A68613-FF0B-4246-B613-8295211CFAFA}" type="slidenum">
               <a:rPr lang="en-US" smtClean="0"/>
-              <a:pPr/>
               <a:t>21</a:t>
             </a:fld>
             <a:endParaRPr lang="en-US"/>
@@ -10297,7 +10586,7 @@
     </p:spTree>
     <p:extLst>
       <p:ext uri="{BB962C8B-B14F-4D97-AF65-F5344CB8AC3E}">
-        <p14:creationId xmlns:p14="http://schemas.microsoft.com/office/powerpoint/2010/main" val="472558491"/>
+        <p14:creationId xmlns:p14="http://schemas.microsoft.com/office/powerpoint/2010/main" val="1199115971"/>
       </p:ext>
     </p:extLst>
   </p:cSld>
@@ -10324,6 +10613,108 @@
           <a:chExt cx="0" cy="0"/>
         </a:xfrm>
       </p:grpSpPr>
+      <p:pic>
+        <p:nvPicPr>
+          <p:cNvPr id="5" name="Picture 4"/>
+          <p:cNvPicPr>
+            <a:picLocks noChangeAspect="1"/>
+          </p:cNvPicPr>
+          <p:nvPr/>
+        </p:nvPicPr>
+        <p:blipFill>
+          <a:blip r:embed="rId2">
+            <a:extLst>
+              <a:ext uri="{28A0092B-C50C-407E-A947-70E740481C1C}">
+                <a14:useLocalDpi xmlns:a14="http://schemas.microsoft.com/office/drawing/2010/main" val="0"/>
+              </a:ext>
+            </a:extLst>
+          </a:blip>
+          <a:stretch>
+            <a:fillRect/>
+          </a:stretch>
+        </p:blipFill>
+        <p:spPr>
+          <a:xfrm>
+            <a:off x="0" y="5637"/>
+            <a:ext cx="9144000" cy="6098977"/>
+          </a:xfrm>
+          <a:prstGeom prst="rect">
+            <a:avLst/>
+          </a:prstGeom>
+        </p:spPr>
+      </p:pic>
+      <p:sp>
+        <p:nvSpPr>
+          <p:cNvPr id="3" name="Subtitle 2"/>
+          <p:cNvSpPr>
+            <a:spLocks noGrp="1"/>
+          </p:cNvSpPr>
+          <p:nvPr>
+            <p:ph type="subTitle" idx="1"/>
+          </p:nvPr>
+        </p:nvSpPr>
+        <p:spPr>
+          <a:xfrm>
+            <a:off x="685800" y="5105400"/>
+            <a:ext cx="7456311" cy="1752600"/>
+          </a:xfrm>
+        </p:spPr>
+        <p:txBody>
+          <a:bodyPr>
+            <a:normAutofit/>
+          </a:bodyPr>
+          <a:lstStyle/>
+          <a:p>
+            <a:pPr algn="l"/>
+            <a:r>
+              <a:rPr lang="en-US" altLang="zh-CN" dirty="0" smtClean="0">
+                <a:solidFill>
+                  <a:schemeClr val="bg1"/>
+                </a:solidFill>
+              </a:rPr>
+              <a:t>Meng</a:t>
+            </a:r>
+            <a:r>
+              <a:rPr lang="zh-CN" altLang="en-US" dirty="0" smtClean="0">
+                <a:solidFill>
+                  <a:schemeClr val="bg1"/>
+                </a:solidFill>
+              </a:rPr>
+              <a:t> </a:t>
+            </a:r>
+            <a:r>
+              <a:rPr lang="en-US" altLang="zh-CN" dirty="0" smtClean="0">
+                <a:solidFill>
+                  <a:schemeClr val="bg1"/>
+                </a:solidFill>
+              </a:rPr>
+              <a:t>Jiang</a:t>
+            </a:r>
+          </a:p>
+          <a:p>
+            <a:pPr algn="l"/>
+            <a:r>
+              <a:rPr lang="en-US" altLang="zh-CN" dirty="0" smtClean="0">
+                <a:solidFill>
+                  <a:srgbClr val="C00000"/>
+                </a:solidFill>
+              </a:rPr>
+              <a:t>CS412 Summer 2017:</a:t>
+            </a:r>
+          </a:p>
+          <a:p>
+            <a:pPr algn="l"/>
+            <a:r>
+              <a:rPr lang="en-US" altLang="zh-CN" dirty="0" smtClean="0">
+                <a:solidFill>
+                  <a:srgbClr val="C00000"/>
+                </a:solidFill>
+              </a:rPr>
+              <a:t>Introduction to Data Mining</a:t>
+            </a:r>
+          </a:p>
+        </p:txBody>
+      </p:sp>
       <p:sp>
         <p:nvSpPr>
           <p:cNvPr id="2" name="Title 1"/>
@@ -10331,154 +10722,276 @@
             <a:spLocks noGrp="1"/>
           </p:cNvSpPr>
           <p:nvPr>
-            <p:ph type="title"/>
+            <p:ph type="ctrTitle"/>
           </p:nvPr>
         </p:nvSpPr>
-        <p:spPr/>
+        <p:spPr>
+          <a:xfrm>
+            <a:off x="685800" y="2837327"/>
+            <a:ext cx="7772400" cy="2268074"/>
+          </a:xfrm>
+        </p:spPr>
         <p:txBody>
-          <a:bodyPr/>
+          <a:bodyPr>
+            <a:normAutofit/>
+          </a:bodyPr>
           <a:lstStyle/>
           <a:p>
-            <a:r>
-              <a:rPr lang="en-US" altLang="en-US" dirty="0" smtClean="0"/>
-              <a:t>Data Reduction</a:t>
-            </a:r>
-            <a:endParaRPr lang="en-US" dirty="0"/>
+            <a:pPr algn="l"/>
+            <a:r>
+              <a:rPr lang="en-US" altLang="zh-CN" dirty="0" smtClean="0">
+                <a:solidFill>
+                  <a:schemeClr val="bg1"/>
+                </a:solidFill>
+              </a:rPr>
+              <a:t>Chapter 3.</a:t>
+            </a:r>
+            <a:r>
+              <a:rPr lang="zh-CN" altLang="en-US" dirty="0">
+                <a:solidFill>
+                  <a:schemeClr val="bg1"/>
+                </a:solidFill>
+              </a:rPr>
+              <a:t> </a:t>
+            </a:r>
+            <a:r>
+              <a:rPr lang="en-US" altLang="zh-CN" dirty="0" smtClean="0">
+                <a:solidFill>
+                  <a:schemeClr val="bg1"/>
+                </a:solidFill>
+              </a:rPr>
+              <a:t>Data</a:t>
+            </a:r>
+            <a:r>
+              <a:rPr lang="zh-CN" altLang="en-US" dirty="0" smtClean="0">
+                <a:solidFill>
+                  <a:schemeClr val="bg1"/>
+                </a:solidFill>
+              </a:rPr>
+              <a:t> </a:t>
+            </a:r>
+            <a:r>
+              <a:rPr lang="en-US" altLang="zh-CN" dirty="0" smtClean="0">
+                <a:solidFill>
+                  <a:schemeClr val="bg1"/>
+                </a:solidFill>
+              </a:rPr>
+              <a:t>Processing</a:t>
+            </a:r>
+            <a:endParaRPr lang="en-US" dirty="0">
+              <a:solidFill>
+                <a:schemeClr val="bg1"/>
+              </a:solidFill>
+            </a:endParaRPr>
           </a:p>
         </p:txBody>
       </p:sp>
       <p:sp>
         <p:nvSpPr>
-          <p:cNvPr id="3" name="Content Placeholder 2"/>
-          <p:cNvSpPr>
-            <a:spLocks noGrp="1"/>
+          <p:cNvPr id="7" name="Subtitle 2"/>
+          <p:cNvSpPr txBox="1">
+            <a:spLocks/>
           </p:cNvSpPr>
-          <p:nvPr>
-            <p:ph idx="1"/>
-          </p:nvPr>
+          <p:nvPr/>
         </p:nvSpPr>
-        <p:spPr/>
+        <p:spPr>
+          <a:xfrm>
+            <a:off x="685800" y="4739317"/>
+            <a:ext cx="8110368" cy="1220643"/>
+          </a:xfrm>
+          <a:prstGeom prst="rect">
+            <a:avLst/>
+          </a:prstGeom>
+        </p:spPr>
         <p:txBody>
-          <a:bodyPr>
-            <a:noAutofit/>
+          <a:bodyPr vert="horz" lIns="91440" tIns="45720" rIns="91440" bIns="45720" rtlCol="0">
+            <a:normAutofit/>
           </a:bodyPr>
-          <a:lstStyle/>
-          <a:p>
-            <a:r>
-              <a:rPr lang="en-US" altLang="en-US" sz="2400" dirty="0" smtClean="0"/>
-              <a:t>Data reduction: </a:t>
-            </a:r>
-          </a:p>
-          <a:p>
-            <a:pPr lvl="1"/>
-            <a:r>
-              <a:rPr lang="en-US" altLang="en-US" sz="2000" dirty="0" smtClean="0"/>
-              <a:t>Obtain a reduced representation of the data set </a:t>
-            </a:r>
-          </a:p>
-          <a:p>
-            <a:pPr lvl="2"/>
-            <a:r>
-              <a:rPr lang="en-US" altLang="en-US" sz="1800" dirty="0" smtClean="0"/>
-              <a:t>much smaller in volume but yet produces almost the same analytical results</a:t>
-            </a:r>
-          </a:p>
-          <a:p>
-            <a:r>
-              <a:rPr lang="en-US" altLang="en-US" sz="2400" dirty="0" smtClean="0"/>
-              <a:t>Why data reduction?</a:t>
-            </a:r>
-            <a:endParaRPr lang="zh-CN" altLang="en-US" sz="2400" dirty="0" smtClean="0"/>
-          </a:p>
-          <a:p>
-            <a:pPr lvl="1"/>
-            <a:r>
-              <a:rPr lang="en-US" altLang="en-US" sz="2000" dirty="0" smtClean="0"/>
-              <a:t>A database/data warehouse may store terabytes of data</a:t>
-            </a:r>
-            <a:endParaRPr lang="zh-CN" altLang="en-US" sz="2000" dirty="0" smtClean="0"/>
-          </a:p>
-          <a:p>
-            <a:pPr lvl="1"/>
-            <a:r>
-              <a:rPr lang="en-US" altLang="en-US" sz="2000" dirty="0" smtClean="0"/>
-              <a:t>Complex analysis may take a very long time to run on the complete data set</a:t>
-            </a:r>
-          </a:p>
-          <a:p>
-            <a:r>
-              <a:rPr lang="en-US" altLang="en-US" sz="2400" dirty="0" smtClean="0"/>
-              <a:t>Methods for data reduction (also data size reduction or </a:t>
-            </a:r>
-            <a:r>
-              <a:rPr lang="en-US" altLang="en-US" sz="2400" dirty="0" err="1" smtClean="0"/>
-              <a:t>numerosity</a:t>
-            </a:r>
-            <a:r>
-              <a:rPr lang="en-US" altLang="en-US" sz="2400" dirty="0" smtClean="0"/>
-              <a:t> reduction) </a:t>
-            </a:r>
-          </a:p>
-          <a:p>
-            <a:pPr lvl="1"/>
-            <a:r>
-              <a:rPr lang="en-US" altLang="en-US" sz="2000" b="1" dirty="0" smtClean="0"/>
-              <a:t>Regression and Log-Linear Models</a:t>
-            </a:r>
-          </a:p>
-          <a:p>
-            <a:pPr lvl="1"/>
-            <a:r>
-              <a:rPr lang="en-US" altLang="en-US" sz="2000" b="1" dirty="0" smtClean="0"/>
-              <a:t>Histograms, clustering, sampling</a:t>
-            </a:r>
-          </a:p>
-          <a:p>
-            <a:pPr lvl="1"/>
-            <a:r>
-              <a:rPr lang="en-US" altLang="en-US" sz="2000" b="1" dirty="0" smtClean="0"/>
-              <a:t>Data compression</a:t>
-            </a:r>
-          </a:p>
-          <a:p>
-            <a:endParaRPr lang="en-US" sz="2400" dirty="0"/>
-          </a:p>
-        </p:txBody>
-      </p:sp>
-      <p:sp>
-        <p:nvSpPr>
-          <p:cNvPr id="4" name="Slide Number Placeholder 3"/>
-          <p:cNvSpPr>
-            <a:spLocks noGrp="1"/>
-          </p:cNvSpPr>
-          <p:nvPr>
-            <p:ph type="sldNum" sz="quarter" idx="12"/>
-          </p:nvPr>
-        </p:nvSpPr>
-        <p:spPr/>
-        <p:txBody>
-          <a:bodyPr/>
-          <a:lstStyle/>
-          <a:p>
-            <a:fld id="{18A68613-FF0B-4246-B613-8295211CFAFA}" type="slidenum">
-              <a:rPr lang="en-US" smtClean="0"/>
-              <a:pPr/>
-              <a:t>22</a:t>
-            </a:fld>
-            <a:endParaRPr lang="en-US"/>
+          <a:lstStyle>
+            <a:lvl1pPr marL="0" indent="0" algn="ctr" defTabSz="457200" rtl="0" eaLnBrk="1" latinLnBrk="0" hangingPunct="1">
+              <a:spcBef>
+                <a:spcPct val="20000"/>
+              </a:spcBef>
+              <a:buFont typeface="Arial"/>
+              <a:buNone/>
+              <a:defRPr sz="3200" kern="1200">
+                <a:solidFill>
+                  <a:schemeClr val="tx1">
+                    <a:tint val="75000"/>
+                  </a:schemeClr>
+                </a:solidFill>
+                <a:latin typeface="+mn-lt"/>
+                <a:ea typeface="+mn-ea"/>
+                <a:cs typeface="+mn-cs"/>
+              </a:defRPr>
+            </a:lvl1pPr>
+            <a:lvl2pPr marL="457200" indent="0" algn="ctr" defTabSz="457200" rtl="0" eaLnBrk="1" latinLnBrk="0" hangingPunct="1">
+              <a:spcBef>
+                <a:spcPct val="20000"/>
+              </a:spcBef>
+              <a:buFont typeface="Arial"/>
+              <a:buNone/>
+              <a:defRPr sz="2800" kern="1200">
+                <a:solidFill>
+                  <a:schemeClr val="tx1">
+                    <a:tint val="75000"/>
+                  </a:schemeClr>
+                </a:solidFill>
+                <a:latin typeface="+mn-lt"/>
+                <a:ea typeface="+mn-ea"/>
+                <a:cs typeface="+mn-cs"/>
+              </a:defRPr>
+            </a:lvl2pPr>
+            <a:lvl3pPr marL="914400" indent="0" algn="ctr" defTabSz="457200" rtl="0" eaLnBrk="1" latinLnBrk="0" hangingPunct="1">
+              <a:spcBef>
+                <a:spcPct val="20000"/>
+              </a:spcBef>
+              <a:buFont typeface="Arial"/>
+              <a:buNone/>
+              <a:defRPr sz="2400" kern="1200">
+                <a:solidFill>
+                  <a:schemeClr val="tx1">
+                    <a:tint val="75000"/>
+                  </a:schemeClr>
+                </a:solidFill>
+                <a:latin typeface="+mn-lt"/>
+                <a:ea typeface="+mn-ea"/>
+                <a:cs typeface="+mn-cs"/>
+              </a:defRPr>
+            </a:lvl3pPr>
+            <a:lvl4pPr marL="1371600" indent="0" algn="ctr" defTabSz="457200" rtl="0" eaLnBrk="1" latinLnBrk="0" hangingPunct="1">
+              <a:spcBef>
+                <a:spcPct val="20000"/>
+              </a:spcBef>
+              <a:buFont typeface="Arial"/>
+              <a:buNone/>
+              <a:defRPr sz="2000" kern="1200">
+                <a:solidFill>
+                  <a:schemeClr val="tx1">
+                    <a:tint val="75000"/>
+                  </a:schemeClr>
+                </a:solidFill>
+                <a:latin typeface="+mn-lt"/>
+                <a:ea typeface="+mn-ea"/>
+                <a:cs typeface="+mn-cs"/>
+              </a:defRPr>
+            </a:lvl4pPr>
+            <a:lvl5pPr marL="1828800" indent="0" algn="ctr" defTabSz="457200" rtl="0" eaLnBrk="1" latinLnBrk="0" hangingPunct="1">
+              <a:spcBef>
+                <a:spcPct val="20000"/>
+              </a:spcBef>
+              <a:buFont typeface="Arial"/>
+              <a:buNone/>
+              <a:defRPr sz="2000" kern="1200">
+                <a:solidFill>
+                  <a:schemeClr val="tx1">
+                    <a:tint val="75000"/>
+                  </a:schemeClr>
+                </a:solidFill>
+                <a:latin typeface="+mn-lt"/>
+                <a:ea typeface="+mn-ea"/>
+                <a:cs typeface="+mn-cs"/>
+              </a:defRPr>
+            </a:lvl5pPr>
+            <a:lvl6pPr marL="2286000" indent="0" algn="ctr" defTabSz="457200" rtl="0" eaLnBrk="1" latinLnBrk="0" hangingPunct="1">
+              <a:spcBef>
+                <a:spcPct val="20000"/>
+              </a:spcBef>
+              <a:buFont typeface="Arial"/>
+              <a:buNone/>
+              <a:defRPr sz="2000" kern="1200">
+                <a:solidFill>
+                  <a:schemeClr val="tx1">
+                    <a:tint val="75000"/>
+                  </a:schemeClr>
+                </a:solidFill>
+                <a:latin typeface="+mn-lt"/>
+                <a:ea typeface="+mn-ea"/>
+                <a:cs typeface="+mn-cs"/>
+              </a:defRPr>
+            </a:lvl6pPr>
+            <a:lvl7pPr marL="2743200" indent="0" algn="ctr" defTabSz="457200" rtl="0" eaLnBrk="1" latinLnBrk="0" hangingPunct="1">
+              <a:spcBef>
+                <a:spcPct val="20000"/>
+              </a:spcBef>
+              <a:buFont typeface="Arial"/>
+              <a:buNone/>
+              <a:defRPr sz="2000" kern="1200">
+                <a:solidFill>
+                  <a:schemeClr val="tx1">
+                    <a:tint val="75000"/>
+                  </a:schemeClr>
+                </a:solidFill>
+                <a:latin typeface="+mn-lt"/>
+                <a:ea typeface="+mn-ea"/>
+                <a:cs typeface="+mn-cs"/>
+              </a:defRPr>
+            </a:lvl7pPr>
+            <a:lvl8pPr marL="3200400" indent="0" algn="ctr" defTabSz="457200" rtl="0" eaLnBrk="1" latinLnBrk="0" hangingPunct="1">
+              <a:spcBef>
+                <a:spcPct val="20000"/>
+              </a:spcBef>
+              <a:buFont typeface="Arial"/>
+              <a:buNone/>
+              <a:defRPr sz="2000" kern="1200">
+                <a:solidFill>
+                  <a:schemeClr val="tx1">
+                    <a:tint val="75000"/>
+                  </a:schemeClr>
+                </a:solidFill>
+                <a:latin typeface="+mn-lt"/>
+                <a:ea typeface="+mn-ea"/>
+                <a:cs typeface="+mn-cs"/>
+              </a:defRPr>
+            </a:lvl8pPr>
+            <a:lvl9pPr marL="3657600" indent="0" algn="ctr" defTabSz="457200" rtl="0" eaLnBrk="1" latinLnBrk="0" hangingPunct="1">
+              <a:spcBef>
+                <a:spcPct val="20000"/>
+              </a:spcBef>
+              <a:buFont typeface="Arial"/>
+              <a:buNone/>
+              <a:defRPr sz="2000" kern="1200">
+                <a:solidFill>
+                  <a:schemeClr val="tx1">
+                    <a:tint val="75000"/>
+                  </a:schemeClr>
+                </a:solidFill>
+                <a:latin typeface="+mn-lt"/>
+                <a:ea typeface="+mn-ea"/>
+                <a:cs typeface="+mn-cs"/>
+              </a:defRPr>
+            </a:lvl9pPr>
+          </a:lstStyle>
+          <a:p>
+            <a:pPr algn="l"/>
+            <a:endParaRPr lang="en-US" sz="2800" dirty="0" smtClean="0">
+              <a:solidFill>
+                <a:schemeClr val="tx1">
+                  <a:lumMod val="50000"/>
+                  <a:lumOff val="50000"/>
+                </a:schemeClr>
+              </a:solidFill>
+            </a:endParaRPr>
           </a:p>
         </p:txBody>
       </p:sp>
     </p:spTree>
     <p:extLst>
       <p:ext uri="{BB962C8B-B14F-4D97-AF65-F5344CB8AC3E}">
-        <p14:creationId xmlns:p14="http://schemas.microsoft.com/office/powerpoint/2010/main" val="1354341752"/>
+        <p14:creationId xmlns:p14="http://schemas.microsoft.com/office/powerpoint/2010/main" val="1014107133"/>
       </p:ext>
     </p:extLst>
   </p:cSld>
   <p:clrMapOvr>
     <a:masterClrMapping/>
   </p:clrMapOvr>
+  <p:timing>
+    <p:tnLst>
+      <p:par>
+        <p:cTn id="1" dur="indefinite" restart="never" nodeType="tmRoot"/>
+      </p:par>
+    </p:tnLst>
+  </p:timing>
 </p:sld>
 </file>
 
@@ -10511,6 +11024,308 @@
         </p:nvSpPr>
         <p:spPr/>
         <p:txBody>
+          <a:bodyPr/>
+          <a:lstStyle/>
+          <a:p>
+            <a:r>
+              <a:rPr lang="en-US" altLang="zh-CN" smtClean="0"/>
+              <a:t>Data</a:t>
+            </a:r>
+            <a:r>
+              <a:rPr lang="zh-CN" altLang="en-US" smtClean="0"/>
+              <a:t> </a:t>
+            </a:r>
+            <a:r>
+              <a:rPr lang="en-US" altLang="zh-CN" smtClean="0"/>
+              <a:t>Preprocessing</a:t>
+            </a:r>
+            <a:endParaRPr lang="en-US" dirty="0"/>
+          </a:p>
+        </p:txBody>
+      </p:sp>
+      <p:sp>
+        <p:nvSpPr>
+          <p:cNvPr id="3" name="Content Placeholder 2"/>
+          <p:cNvSpPr>
+            <a:spLocks noGrp="1"/>
+          </p:cNvSpPr>
+          <p:nvPr>
+            <p:ph idx="1"/>
+          </p:nvPr>
+        </p:nvSpPr>
+        <p:spPr/>
+        <p:txBody>
+          <a:bodyPr/>
+          <a:lstStyle/>
+          <a:p>
+            <a:r>
+              <a:rPr lang="en-US" altLang="en-US" dirty="0" smtClean="0"/>
+              <a:t>Data cleaning</a:t>
+            </a:r>
+          </a:p>
+          <a:p>
+            <a:r>
+              <a:rPr lang="en-US" altLang="en-US" dirty="0" smtClean="0"/>
+              <a:t>Data integration</a:t>
+            </a:r>
+          </a:p>
+          <a:p>
+            <a:r>
+              <a:rPr lang="en-US" altLang="en-US" b="1" dirty="0" smtClean="0"/>
+              <a:t>Data reduction</a:t>
+            </a:r>
+            <a:endParaRPr lang="zh-CN" altLang="en-US" b="1" dirty="0" smtClean="0"/>
+          </a:p>
+          <a:p>
+            <a:r>
+              <a:rPr lang="en-US" altLang="en-US" dirty="0" smtClean="0"/>
+              <a:t>Dimensionality reduction</a:t>
+            </a:r>
+            <a:endParaRPr lang="en-US" altLang="en-US" dirty="0"/>
+          </a:p>
+        </p:txBody>
+      </p:sp>
+      <p:sp>
+        <p:nvSpPr>
+          <p:cNvPr id="4" name="Slide Number Placeholder 3"/>
+          <p:cNvSpPr>
+            <a:spLocks noGrp="1"/>
+          </p:cNvSpPr>
+          <p:nvPr>
+            <p:ph type="sldNum" sz="quarter" idx="12"/>
+          </p:nvPr>
+        </p:nvSpPr>
+        <p:spPr/>
+        <p:txBody>
+          <a:bodyPr/>
+          <a:lstStyle/>
+          <a:p>
+            <a:fld id="{18A68613-FF0B-4246-B613-8295211CFAFA}" type="slidenum">
+              <a:rPr lang="en-US" smtClean="0"/>
+              <a:pPr/>
+              <a:t>23</a:t>
+            </a:fld>
+            <a:endParaRPr lang="en-US"/>
+          </a:p>
+        </p:txBody>
+      </p:sp>
+    </p:spTree>
+    <p:extLst>
+      <p:ext uri="{BB962C8B-B14F-4D97-AF65-F5344CB8AC3E}">
+        <p14:creationId xmlns:p14="http://schemas.microsoft.com/office/powerpoint/2010/main" val="472558491"/>
+      </p:ext>
+    </p:extLst>
+  </p:cSld>
+  <p:clrMapOvr>
+    <a:masterClrMapping/>
+  </p:clrMapOvr>
+</p:sld>
+</file>
+
+<file path=ppt/slides/slide24.xml><?xml version="1.0" encoding="utf-8"?>
+<p:sld xmlns:a="http://schemas.openxmlformats.org/drawingml/2006/main" xmlns:r="http://schemas.openxmlformats.org/officeDocument/2006/relationships" xmlns:p="http://schemas.openxmlformats.org/presentationml/2006/main">
+  <p:cSld>
+    <p:spTree>
+      <p:nvGrpSpPr>
+        <p:cNvPr id="1" name=""/>
+        <p:cNvGrpSpPr/>
+        <p:nvPr/>
+      </p:nvGrpSpPr>
+      <p:grpSpPr>
+        <a:xfrm>
+          <a:off x="0" y="0"/>
+          <a:ext cx="0" cy="0"/>
+          <a:chOff x="0" y="0"/>
+          <a:chExt cx="0" cy="0"/>
+        </a:xfrm>
+      </p:grpSpPr>
+      <p:sp>
+        <p:nvSpPr>
+          <p:cNvPr id="2" name="Title 1"/>
+          <p:cNvSpPr>
+            <a:spLocks noGrp="1"/>
+          </p:cNvSpPr>
+          <p:nvPr>
+            <p:ph type="title"/>
+          </p:nvPr>
+        </p:nvSpPr>
+        <p:spPr/>
+        <p:txBody>
+          <a:bodyPr/>
+          <a:lstStyle/>
+          <a:p>
+            <a:r>
+              <a:rPr lang="en-US" altLang="en-US" dirty="0" smtClean="0"/>
+              <a:t>Data Reduction</a:t>
+            </a:r>
+            <a:endParaRPr lang="en-US" dirty="0"/>
+          </a:p>
+        </p:txBody>
+      </p:sp>
+      <p:sp>
+        <p:nvSpPr>
+          <p:cNvPr id="3" name="Content Placeholder 2"/>
+          <p:cNvSpPr>
+            <a:spLocks noGrp="1"/>
+          </p:cNvSpPr>
+          <p:nvPr>
+            <p:ph idx="1"/>
+          </p:nvPr>
+        </p:nvSpPr>
+        <p:spPr/>
+        <p:txBody>
+          <a:bodyPr>
+            <a:noAutofit/>
+          </a:bodyPr>
+          <a:lstStyle/>
+          <a:p>
+            <a:r>
+              <a:rPr lang="en-US" altLang="en-US" sz="2400" dirty="0" smtClean="0"/>
+              <a:t>Data reduction: </a:t>
+            </a:r>
+          </a:p>
+          <a:p>
+            <a:pPr lvl="1"/>
+            <a:r>
+              <a:rPr lang="en-US" altLang="en-US" sz="2000" dirty="0" smtClean="0"/>
+              <a:t>Obtain a reduced representation of the data set </a:t>
+            </a:r>
+          </a:p>
+          <a:p>
+            <a:pPr lvl="2"/>
+            <a:r>
+              <a:rPr lang="en-US" altLang="en-US" sz="1800" dirty="0" smtClean="0"/>
+              <a:t>much smaller in volume but yet produces almost the same analytical results</a:t>
+            </a:r>
+          </a:p>
+          <a:p>
+            <a:r>
+              <a:rPr lang="en-US" altLang="en-US" sz="2400" dirty="0" smtClean="0"/>
+              <a:t>Why data reduction?</a:t>
+            </a:r>
+            <a:endParaRPr lang="zh-CN" altLang="en-US" sz="2400" dirty="0" smtClean="0"/>
+          </a:p>
+          <a:p>
+            <a:pPr lvl="1"/>
+            <a:r>
+              <a:rPr lang="en-US" altLang="en-US" sz="2000" dirty="0" smtClean="0"/>
+              <a:t>A database/data warehouse may store terabytes of data</a:t>
+            </a:r>
+            <a:endParaRPr lang="zh-CN" altLang="en-US" sz="2000" dirty="0" smtClean="0"/>
+          </a:p>
+          <a:p>
+            <a:pPr lvl="1"/>
+            <a:r>
+              <a:rPr lang="en-US" altLang="en-US" sz="2000" dirty="0" smtClean="0"/>
+              <a:t>Complex analysis may take a very long time to run on the complete data set</a:t>
+            </a:r>
+          </a:p>
+          <a:p>
+            <a:r>
+              <a:rPr lang="en-US" altLang="en-US" sz="2400" dirty="0" smtClean="0"/>
+              <a:t>Methods for data reduction (also data size reduction or </a:t>
+            </a:r>
+            <a:r>
+              <a:rPr lang="en-US" altLang="en-US" sz="2400" dirty="0" err="1" smtClean="0"/>
+              <a:t>numerosity</a:t>
+            </a:r>
+            <a:r>
+              <a:rPr lang="en-US" altLang="en-US" sz="2400" dirty="0" smtClean="0"/>
+              <a:t> reduction) </a:t>
+            </a:r>
+          </a:p>
+          <a:p>
+            <a:pPr lvl="1"/>
+            <a:r>
+              <a:rPr lang="en-US" altLang="en-US" sz="2000" b="1" dirty="0" smtClean="0"/>
+              <a:t>Regression and Log-Linear Models</a:t>
+            </a:r>
+          </a:p>
+          <a:p>
+            <a:pPr lvl="1"/>
+            <a:r>
+              <a:rPr lang="en-US" altLang="en-US" sz="2000" b="1" dirty="0" smtClean="0"/>
+              <a:t>Histograms, clustering, sampling</a:t>
+            </a:r>
+          </a:p>
+          <a:p>
+            <a:pPr lvl="1"/>
+            <a:r>
+              <a:rPr lang="en-US" altLang="en-US" sz="2000" b="1" dirty="0" smtClean="0"/>
+              <a:t>Data compression</a:t>
+            </a:r>
+          </a:p>
+          <a:p>
+            <a:endParaRPr lang="en-US" sz="2400" dirty="0"/>
+          </a:p>
+        </p:txBody>
+      </p:sp>
+      <p:sp>
+        <p:nvSpPr>
+          <p:cNvPr id="4" name="Slide Number Placeholder 3"/>
+          <p:cNvSpPr>
+            <a:spLocks noGrp="1"/>
+          </p:cNvSpPr>
+          <p:nvPr>
+            <p:ph type="sldNum" sz="quarter" idx="12"/>
+          </p:nvPr>
+        </p:nvSpPr>
+        <p:spPr/>
+        <p:txBody>
+          <a:bodyPr/>
+          <a:lstStyle/>
+          <a:p>
+            <a:fld id="{18A68613-FF0B-4246-B613-8295211CFAFA}" type="slidenum">
+              <a:rPr lang="en-US" smtClean="0"/>
+              <a:pPr/>
+              <a:t>24</a:t>
+            </a:fld>
+            <a:endParaRPr lang="en-US"/>
+          </a:p>
+        </p:txBody>
+      </p:sp>
+    </p:spTree>
+    <p:extLst>
+      <p:ext uri="{BB962C8B-B14F-4D97-AF65-F5344CB8AC3E}">
+        <p14:creationId xmlns:p14="http://schemas.microsoft.com/office/powerpoint/2010/main" val="1354341752"/>
+      </p:ext>
+    </p:extLst>
+  </p:cSld>
+  <p:clrMapOvr>
+    <a:masterClrMapping/>
+  </p:clrMapOvr>
+</p:sld>
+</file>
+
+<file path=ppt/slides/slide25.xml><?xml version="1.0" encoding="utf-8"?>
+<p:sld xmlns:a="http://schemas.openxmlformats.org/drawingml/2006/main" xmlns:r="http://schemas.openxmlformats.org/officeDocument/2006/relationships" xmlns:p="http://schemas.openxmlformats.org/presentationml/2006/main">
+  <p:cSld>
+    <p:spTree>
+      <p:nvGrpSpPr>
+        <p:cNvPr id="1" name=""/>
+        <p:cNvGrpSpPr/>
+        <p:nvPr/>
+      </p:nvGrpSpPr>
+      <p:grpSpPr>
+        <a:xfrm>
+          <a:off x="0" y="0"/>
+          <a:ext cx="0" cy="0"/>
+          <a:chOff x="0" y="0"/>
+          <a:chExt cx="0" cy="0"/>
+        </a:xfrm>
+      </p:grpSpPr>
+      <p:sp>
+        <p:nvSpPr>
+          <p:cNvPr id="2" name="Title 1"/>
+          <p:cNvSpPr>
+            <a:spLocks noGrp="1"/>
+          </p:cNvSpPr>
+          <p:nvPr>
+            <p:ph type="title"/>
+          </p:nvPr>
+        </p:nvSpPr>
+        <p:spPr/>
+        <p:txBody>
           <a:bodyPr>
             <a:normAutofit fontScale="90000"/>
           </a:bodyPr>
@@ -10626,7 +11441,7 @@
           <a:p>
             <a:fld id="{18A68613-FF0B-4246-B613-8295211CFAFA}" type="slidenum">
               <a:rPr lang="en-US" smtClean="0"/>
-              <a:t>23</a:t>
+              <a:t>25</a:t>
             </a:fld>
             <a:endParaRPr lang="en-US"/>
           </a:p>
@@ -10794,7 +11609,7 @@
 </p:sld>
 </file>
 
-<file path=ppt/slides/slide24.xml><?xml version="1.0" encoding="utf-8"?>
+<file path=ppt/slides/slide26.xml><?xml version="1.0" encoding="utf-8"?>
 <p:sld xmlns:a="http://schemas.openxmlformats.org/drawingml/2006/main" xmlns:r="http://schemas.openxmlformats.org/officeDocument/2006/relationships" xmlns:p="http://schemas.openxmlformats.org/presentationml/2006/main">
   <p:cSld>
     <p:spTree>
@@ -10931,7 +11746,7 @@
           <a:p>
             <a:fld id="{18A68613-FF0B-4246-B613-8295211CFAFA}" type="slidenum">
               <a:rPr lang="en-US" smtClean="0"/>
-              <a:t>24</a:t>
+              <a:t>26</a:t>
             </a:fld>
             <a:endParaRPr lang="en-US"/>
           </a:p>
@@ -18977,7 +19792,7 @@
 </p:sld>
 </file>
 
-<file path=ppt/slides/slide25.xml><?xml version="1.0" encoding="utf-8"?>
+<file path=ppt/slides/slide27.xml><?xml version="1.0" encoding="utf-8"?>
 <p:sld xmlns:a="http://schemas.openxmlformats.org/drawingml/2006/main" xmlns:r="http://schemas.openxmlformats.org/officeDocument/2006/relationships" xmlns:p="http://schemas.openxmlformats.org/presentationml/2006/main">
   <p:cSld>
     <p:spTree>
@@ -19362,7 +20177,7 @@
           <a:p>
             <a:fld id="{18A68613-FF0B-4246-B613-8295211CFAFA}" type="slidenum">
               <a:rPr lang="en-US" smtClean="0"/>
-              <a:t>25</a:t>
+              <a:t>27</a:t>
             </a:fld>
             <a:endParaRPr lang="en-US"/>
           </a:p>
@@ -22325,7 +23140,7 @@
 </p:sld>
 </file>
 
-<file path=ppt/slides/slide26.xml><?xml version="1.0" encoding="utf-8"?>
+<file path=ppt/slides/slide28.xml><?xml version="1.0" encoding="utf-8"?>
 <p:sld xmlns:a="http://schemas.openxmlformats.org/drawingml/2006/main" xmlns:r="http://schemas.openxmlformats.org/officeDocument/2006/relationships" xmlns:p="http://schemas.openxmlformats.org/presentationml/2006/main">
   <p:cSld>
     <p:spTree>
@@ -22541,7 +23356,7 @@
           <a:p>
             <a:fld id="{18A68613-FF0B-4246-B613-8295211CFAFA}" type="slidenum">
               <a:rPr lang="en-US" smtClean="0"/>
-              <a:t>26</a:t>
+              <a:t>28</a:t>
             </a:fld>
             <a:endParaRPr lang="en-US"/>
           </a:p>
@@ -22642,7 +23457,7 @@
 </p:sld>
 </file>
 
-<file path=ppt/slides/slide27.xml><?xml version="1.0" encoding="utf-8"?>
+<file path=ppt/slides/slide29.xml><?xml version="1.0" encoding="utf-8"?>
 <p:sld xmlns:a="http://schemas.openxmlformats.org/drawingml/2006/main" xmlns:r="http://schemas.openxmlformats.org/officeDocument/2006/relationships" xmlns:p="http://schemas.openxmlformats.org/presentationml/2006/main">
   <p:cSld>
     <p:spTree>
@@ -22936,7 +23751,7 @@
           <a:p>
             <a:fld id="{18A68613-FF0B-4246-B613-8295211CFAFA}" type="slidenum">
               <a:rPr lang="en-US" smtClean="0"/>
-              <a:t>27</a:t>
+              <a:t>29</a:t>
             </a:fld>
             <a:endParaRPr lang="en-US"/>
           </a:p>
@@ -22955,7 +23770,7 @@
 </p:sld>
 </file>
 
-<file path=ppt/slides/slide28.xml><?xml version="1.0" encoding="utf-8"?>
+<file path=ppt/slides/slide3.xml><?xml version="1.0" encoding="utf-8"?>
 <p:sld xmlns:a="http://schemas.openxmlformats.org/drawingml/2006/main" xmlns:r="http://schemas.openxmlformats.org/officeDocument/2006/relationships" xmlns:p="http://schemas.openxmlformats.org/presentationml/2006/main">
   <p:cSld>
     <p:spTree>
@@ -22988,6 +23803,133 @@
           <a:lstStyle/>
           <a:p>
             <a:r>
+              <a:rPr lang="en-US" altLang="zh-CN" smtClean="0"/>
+              <a:t>Data</a:t>
+            </a:r>
+            <a:r>
+              <a:rPr lang="zh-CN" altLang="en-US" smtClean="0"/>
+              <a:t> </a:t>
+            </a:r>
+            <a:r>
+              <a:rPr lang="en-US" altLang="zh-CN" smtClean="0"/>
+              <a:t>Preprocessing</a:t>
+            </a:r>
+            <a:endParaRPr lang="en-US" dirty="0"/>
+          </a:p>
+        </p:txBody>
+      </p:sp>
+      <p:sp>
+        <p:nvSpPr>
+          <p:cNvPr id="3" name="Content Placeholder 2"/>
+          <p:cNvSpPr>
+            <a:spLocks noGrp="1"/>
+          </p:cNvSpPr>
+          <p:nvPr>
+            <p:ph idx="1"/>
+          </p:nvPr>
+        </p:nvSpPr>
+        <p:spPr/>
+        <p:txBody>
+          <a:bodyPr/>
+          <a:lstStyle/>
+          <a:p>
+            <a:r>
+              <a:rPr lang="en-US" altLang="en-US" b="1" dirty="0" smtClean="0"/>
+              <a:t>Data cleaning</a:t>
+            </a:r>
+          </a:p>
+          <a:p>
+            <a:r>
+              <a:rPr lang="en-US" altLang="en-US" dirty="0" smtClean="0"/>
+              <a:t>Data integration</a:t>
+            </a:r>
+          </a:p>
+          <a:p>
+            <a:r>
+              <a:rPr lang="en-US" altLang="en-US" dirty="0" smtClean="0"/>
+              <a:t>Data reduction</a:t>
+            </a:r>
+            <a:endParaRPr lang="zh-CN" altLang="en-US" dirty="0" smtClean="0"/>
+          </a:p>
+          <a:p>
+            <a:r>
+              <a:rPr lang="en-US" altLang="en-US" dirty="0" smtClean="0"/>
+              <a:t>Dimensionality reduction</a:t>
+            </a:r>
+            <a:endParaRPr lang="en-US" altLang="en-US" dirty="0"/>
+          </a:p>
+        </p:txBody>
+      </p:sp>
+      <p:sp>
+        <p:nvSpPr>
+          <p:cNvPr id="4" name="Slide Number Placeholder 3"/>
+          <p:cNvSpPr>
+            <a:spLocks noGrp="1"/>
+          </p:cNvSpPr>
+          <p:nvPr>
+            <p:ph type="sldNum" sz="quarter" idx="12"/>
+          </p:nvPr>
+        </p:nvSpPr>
+        <p:spPr/>
+        <p:txBody>
+          <a:bodyPr/>
+          <a:lstStyle/>
+          <a:p>
+            <a:fld id="{18A68613-FF0B-4246-B613-8295211CFAFA}" type="slidenum">
+              <a:rPr lang="en-US" smtClean="0"/>
+              <a:pPr/>
+              <a:t>3</a:t>
+            </a:fld>
+            <a:endParaRPr lang="en-US"/>
+          </a:p>
+        </p:txBody>
+      </p:sp>
+    </p:spTree>
+    <p:extLst>
+      <p:ext uri="{BB962C8B-B14F-4D97-AF65-F5344CB8AC3E}">
+        <p14:creationId xmlns:p14="http://schemas.microsoft.com/office/powerpoint/2010/main" val="1822246695"/>
+      </p:ext>
+    </p:extLst>
+  </p:cSld>
+  <p:clrMapOvr>
+    <a:masterClrMapping/>
+  </p:clrMapOvr>
+</p:sld>
+</file>
+
+<file path=ppt/slides/slide30.xml><?xml version="1.0" encoding="utf-8"?>
+<p:sld xmlns:a="http://schemas.openxmlformats.org/drawingml/2006/main" xmlns:r="http://schemas.openxmlformats.org/officeDocument/2006/relationships" xmlns:p="http://schemas.openxmlformats.org/presentationml/2006/main">
+  <p:cSld>
+    <p:spTree>
+      <p:nvGrpSpPr>
+        <p:cNvPr id="1" name=""/>
+        <p:cNvGrpSpPr/>
+        <p:nvPr/>
+      </p:nvGrpSpPr>
+      <p:grpSpPr>
+        <a:xfrm>
+          <a:off x="0" y="0"/>
+          <a:ext cx="0" cy="0"/>
+          <a:chOff x="0" y="0"/>
+          <a:chExt cx="0" cy="0"/>
+        </a:xfrm>
+      </p:grpSpPr>
+      <p:sp>
+        <p:nvSpPr>
+          <p:cNvPr id="2" name="Title 1"/>
+          <p:cNvSpPr>
+            <a:spLocks noGrp="1"/>
+          </p:cNvSpPr>
+          <p:nvPr>
+            <p:ph type="title"/>
+          </p:nvPr>
+        </p:nvSpPr>
+        <p:spPr/>
+        <p:txBody>
+          <a:bodyPr/>
+          <a:lstStyle/>
+          <a:p>
+            <a:r>
               <a:rPr lang="en-US" altLang="en-US" dirty="0"/>
               <a:t>Histogram Analysis</a:t>
             </a:r>
@@ -23085,7 +24027,7 @@
           <a:p>
             <a:fld id="{18A68613-FF0B-4246-B613-8295211CFAFA}" type="slidenum">
               <a:rPr lang="en-US" smtClean="0"/>
-              <a:t>28</a:t>
+              <a:t>30</a:t>
             </a:fld>
             <a:endParaRPr lang="en-US"/>
           </a:p>
@@ -23113,7 +24055,7 @@
           <a:graphicData uri="http://schemas.openxmlformats.org/presentationml/2006/ole">
             <mc:AlternateContent xmlns:mc="http://schemas.openxmlformats.org/markup-compatibility/2006">
               <mc:Choice xmlns:v="urn:schemas-microsoft-com:vml" Requires="v">
-                <p:oleObj spid="_x0000_s21513" name="Chart" r:id="rId3" imgW="7915188" imgH="3848049" progId="MSGraph.Chart.8">
+                <p:oleObj spid="_x0000_s21526" name="Chart" r:id="rId3" imgW="7915188" imgH="3848049" progId="MSGraph.Chart.8">
                   <p:embed followColorScheme="full"/>
                 </p:oleObj>
               </mc:Choice>
@@ -23170,7 +24112,7 @@
 </p:sld>
 </file>
 
-<file path=ppt/slides/slide29.xml><?xml version="1.0" encoding="utf-8"?>
+<file path=ppt/slides/slide31.xml><?xml version="1.0" encoding="utf-8"?>
 <p:sld xmlns:a="http://schemas.openxmlformats.org/drawingml/2006/main" xmlns:r="http://schemas.openxmlformats.org/officeDocument/2006/relationships" xmlns:p="http://schemas.openxmlformats.org/presentationml/2006/main">
   <p:cSld>
     <p:spTree>
@@ -23311,7 +24253,7 @@
           <a:p>
             <a:fld id="{18A68613-FF0B-4246-B613-8295211CFAFA}" type="slidenum">
               <a:rPr lang="en-US" smtClean="0"/>
-              <a:t>29</a:t>
+              <a:t>31</a:t>
             </a:fld>
             <a:endParaRPr lang="en-US"/>
           </a:p>
@@ -23360,7 +24302,7 @@
 </p:sld>
 </file>
 
-<file path=ppt/slides/slide3.xml><?xml version="1.0" encoding="utf-8"?>
+<file path=ppt/slides/slide32.xml><?xml version="1.0" encoding="utf-8"?>
 <p:sld xmlns:a="http://schemas.openxmlformats.org/drawingml/2006/main" xmlns:r="http://schemas.openxmlformats.org/officeDocument/2006/relationships" xmlns:p="http://schemas.openxmlformats.org/presentationml/2006/main">
   <p:cSld>
     <p:spTree>
@@ -23393,16 +24335,8 @@
           <a:lstStyle/>
           <a:p>
             <a:r>
-              <a:rPr lang="en-US" altLang="zh-CN" smtClean="0"/>
-              <a:t>Data</a:t>
-            </a:r>
-            <a:r>
-              <a:rPr lang="zh-CN" altLang="en-US" smtClean="0"/>
-              <a:t> </a:t>
-            </a:r>
-            <a:r>
-              <a:rPr lang="en-US" altLang="zh-CN" smtClean="0"/>
-              <a:t>Preprocessing</a:t>
+              <a:rPr lang="en-US" altLang="en-US" smtClean="0"/>
+              <a:t>Sampling</a:t>
             </a:r>
             <a:endParaRPr lang="en-US" dirty="0"/>
           </a:p>
@@ -23420,33 +24354,88 @@
         </p:nvSpPr>
         <p:spPr/>
         <p:txBody>
-          <a:bodyPr/>
+          <a:bodyPr>
+            <a:normAutofit/>
+          </a:bodyPr>
           <a:lstStyle/>
           <a:p>
-            <a:r>
-              <a:rPr lang="en-US" altLang="en-US" b="1" dirty="0" smtClean="0"/>
-              <a:t>Data cleaning</a:t>
-            </a:r>
-          </a:p>
-          <a:p>
-            <a:r>
-              <a:rPr lang="en-US" altLang="en-US" dirty="0" smtClean="0"/>
-              <a:t>Data integration</a:t>
-            </a:r>
-          </a:p>
-          <a:p>
-            <a:r>
-              <a:rPr lang="en-US" altLang="en-US" dirty="0" smtClean="0"/>
-              <a:t>Data reduction</a:t>
-            </a:r>
-            <a:endParaRPr lang="zh-CN" altLang="en-US" dirty="0" smtClean="0"/>
-          </a:p>
-          <a:p>
-            <a:r>
-              <a:rPr lang="en-US" altLang="en-US" dirty="0" smtClean="0"/>
-              <a:t>Dimensionality reduction</a:t>
-            </a:r>
-            <a:endParaRPr lang="en-US" altLang="en-US" dirty="0"/>
+            <a:pPr>
+              <a:lnSpc>
+                <a:spcPct val="120000"/>
+              </a:lnSpc>
+            </a:pPr>
+            <a:r>
+              <a:rPr lang="en-US" altLang="en-US" sz="2400" dirty="0" smtClean="0"/>
+              <a:t>Sampling: obtaining a small sample </a:t>
+            </a:r>
+            <a:r>
+              <a:rPr lang="en-US" altLang="en-US" sz="2400" i="1" dirty="0" smtClean="0"/>
+              <a:t>s</a:t>
+            </a:r>
+            <a:r>
+              <a:rPr lang="en-US" altLang="en-US" sz="2400" dirty="0" smtClean="0"/>
+              <a:t> to represent the whole data set </a:t>
+            </a:r>
+            <a:r>
+              <a:rPr lang="en-US" altLang="en-US" sz="2400" i="1" dirty="0" smtClean="0"/>
+              <a:t>N</a:t>
+            </a:r>
+          </a:p>
+          <a:p>
+            <a:pPr>
+              <a:lnSpc>
+                <a:spcPct val="120000"/>
+              </a:lnSpc>
+            </a:pPr>
+            <a:r>
+              <a:rPr lang="en-US" altLang="en-US" sz="2400" dirty="0" smtClean="0"/>
+              <a:t>Allow a mining algorithm to run in complexity that is potentially sub-linear to the size of the data</a:t>
+            </a:r>
+          </a:p>
+          <a:p>
+            <a:pPr>
+              <a:lnSpc>
+                <a:spcPct val="120000"/>
+              </a:lnSpc>
+            </a:pPr>
+            <a:r>
+              <a:rPr lang="en-US" altLang="en-US" sz="2400" dirty="0" smtClean="0"/>
+              <a:t>Key principle: Choose a </a:t>
+            </a:r>
+            <a:r>
+              <a:rPr lang="en-US" altLang="en-US" sz="2400" dirty="0" smtClean="0">
+                <a:solidFill>
+                  <a:srgbClr val="FF0000"/>
+                </a:solidFill>
+              </a:rPr>
+              <a:t>representative</a:t>
+            </a:r>
+            <a:r>
+              <a:rPr lang="en-US" altLang="en-US" sz="2400" dirty="0" smtClean="0"/>
+              <a:t> subset of the data</a:t>
+            </a:r>
+          </a:p>
+          <a:p>
+            <a:pPr lvl="1">
+              <a:lnSpc>
+                <a:spcPct val="120000"/>
+              </a:lnSpc>
+            </a:pPr>
+            <a:r>
+              <a:rPr lang="en-US" altLang="en-US" sz="2400" dirty="0" smtClean="0"/>
+              <a:t>Simple random sampling may have very poor performance in the presence of skew</a:t>
+            </a:r>
+          </a:p>
+          <a:p>
+            <a:pPr lvl="1">
+              <a:lnSpc>
+                <a:spcPct val="120000"/>
+              </a:lnSpc>
+            </a:pPr>
+            <a:r>
+              <a:rPr lang="en-US" altLang="en-US" sz="2400" dirty="0" smtClean="0"/>
+              <a:t>Develop adaptive sampling methods, e.g., stratified sampling</a:t>
+            </a:r>
           </a:p>
         </p:txBody>
       </p:sp>
@@ -23467,8 +24456,7 @@
           <a:p>
             <a:fld id="{18A68613-FF0B-4246-B613-8295211CFAFA}" type="slidenum">
               <a:rPr lang="en-US" smtClean="0"/>
-              <a:pPr/>
-              <a:t>3</a:t>
+              <a:t>32</a:t>
             </a:fld>
             <a:endParaRPr lang="en-US"/>
           </a:p>
@@ -23477,7 +24465,7 @@
     </p:spTree>
     <p:extLst>
       <p:ext uri="{BB962C8B-B14F-4D97-AF65-F5344CB8AC3E}">
-        <p14:creationId xmlns:p14="http://schemas.microsoft.com/office/powerpoint/2010/main" val="1822246695"/>
+        <p14:creationId xmlns:p14="http://schemas.microsoft.com/office/powerpoint/2010/main" val="215760780"/>
       </p:ext>
     </p:extLst>
   </p:cSld>
@@ -23487,7 +24475,7 @@
 </p:sld>
 </file>
 
-<file path=ppt/slides/slide30.xml><?xml version="1.0" encoding="utf-8"?>
+<file path=ppt/slides/slide33.xml><?xml version="1.0" encoding="utf-8"?>
 <p:sld xmlns:a="http://schemas.openxmlformats.org/drawingml/2006/main" xmlns:r="http://schemas.openxmlformats.org/officeDocument/2006/relationships" xmlns:p="http://schemas.openxmlformats.org/presentationml/2006/main">
   <p:cSld>
     <p:spTree>
@@ -23520,179 +24508,6 @@
           <a:lstStyle/>
           <a:p>
             <a:r>
-              <a:rPr lang="en-US" altLang="en-US" smtClean="0"/>
-              <a:t>Sampling</a:t>
-            </a:r>
-            <a:endParaRPr lang="en-US" dirty="0"/>
-          </a:p>
-        </p:txBody>
-      </p:sp>
-      <p:sp>
-        <p:nvSpPr>
-          <p:cNvPr id="3" name="Content Placeholder 2"/>
-          <p:cNvSpPr>
-            <a:spLocks noGrp="1"/>
-          </p:cNvSpPr>
-          <p:nvPr>
-            <p:ph idx="1"/>
-          </p:nvPr>
-        </p:nvSpPr>
-        <p:spPr/>
-        <p:txBody>
-          <a:bodyPr>
-            <a:normAutofit/>
-          </a:bodyPr>
-          <a:lstStyle/>
-          <a:p>
-            <a:pPr>
-              <a:lnSpc>
-                <a:spcPct val="120000"/>
-              </a:lnSpc>
-            </a:pPr>
-            <a:r>
-              <a:rPr lang="en-US" altLang="en-US" sz="2400" dirty="0" smtClean="0"/>
-              <a:t>Sampling: obtaining a small sample </a:t>
-            </a:r>
-            <a:r>
-              <a:rPr lang="en-US" altLang="en-US" sz="2400" i="1" dirty="0" smtClean="0"/>
-              <a:t>s</a:t>
-            </a:r>
-            <a:r>
-              <a:rPr lang="en-US" altLang="en-US" sz="2400" dirty="0" smtClean="0"/>
-              <a:t> to represent the whole data set </a:t>
-            </a:r>
-            <a:r>
-              <a:rPr lang="en-US" altLang="en-US" sz="2400" i="1" dirty="0" smtClean="0"/>
-              <a:t>N</a:t>
-            </a:r>
-          </a:p>
-          <a:p>
-            <a:pPr>
-              <a:lnSpc>
-                <a:spcPct val="120000"/>
-              </a:lnSpc>
-            </a:pPr>
-            <a:r>
-              <a:rPr lang="en-US" altLang="en-US" sz="2400" dirty="0" smtClean="0"/>
-              <a:t>Allow a mining algorithm to run in complexity that is potentially sub-linear to the size of the data</a:t>
-            </a:r>
-          </a:p>
-          <a:p>
-            <a:pPr>
-              <a:lnSpc>
-                <a:spcPct val="120000"/>
-              </a:lnSpc>
-            </a:pPr>
-            <a:r>
-              <a:rPr lang="en-US" altLang="en-US" sz="2400" dirty="0" smtClean="0"/>
-              <a:t>Key principle: Choose a </a:t>
-            </a:r>
-            <a:r>
-              <a:rPr lang="en-US" altLang="en-US" sz="2400" dirty="0" smtClean="0">
-                <a:solidFill>
-                  <a:srgbClr val="FF0000"/>
-                </a:solidFill>
-              </a:rPr>
-              <a:t>representative</a:t>
-            </a:r>
-            <a:r>
-              <a:rPr lang="en-US" altLang="en-US" sz="2400" dirty="0" smtClean="0"/>
-              <a:t> subset of the data</a:t>
-            </a:r>
-          </a:p>
-          <a:p>
-            <a:pPr lvl="1">
-              <a:lnSpc>
-                <a:spcPct val="120000"/>
-              </a:lnSpc>
-            </a:pPr>
-            <a:r>
-              <a:rPr lang="en-US" altLang="en-US" sz="2400" dirty="0" smtClean="0"/>
-              <a:t>Simple random sampling may have very poor performance in the presence of skew</a:t>
-            </a:r>
-          </a:p>
-          <a:p>
-            <a:pPr lvl="1">
-              <a:lnSpc>
-                <a:spcPct val="120000"/>
-              </a:lnSpc>
-            </a:pPr>
-            <a:r>
-              <a:rPr lang="en-US" altLang="en-US" sz="2400" dirty="0" smtClean="0"/>
-              <a:t>Develop adaptive sampling methods, e.g., stratified sampling</a:t>
-            </a:r>
-          </a:p>
-        </p:txBody>
-      </p:sp>
-      <p:sp>
-        <p:nvSpPr>
-          <p:cNvPr id="4" name="Slide Number Placeholder 3"/>
-          <p:cNvSpPr>
-            <a:spLocks noGrp="1"/>
-          </p:cNvSpPr>
-          <p:nvPr>
-            <p:ph type="sldNum" sz="quarter" idx="12"/>
-          </p:nvPr>
-        </p:nvSpPr>
-        <p:spPr/>
-        <p:txBody>
-          <a:bodyPr/>
-          <a:lstStyle/>
-          <a:p>
-            <a:fld id="{18A68613-FF0B-4246-B613-8295211CFAFA}" type="slidenum">
-              <a:rPr lang="en-US" smtClean="0"/>
-              <a:t>30</a:t>
-            </a:fld>
-            <a:endParaRPr lang="en-US"/>
-          </a:p>
-        </p:txBody>
-      </p:sp>
-    </p:spTree>
-    <p:extLst>
-      <p:ext uri="{BB962C8B-B14F-4D97-AF65-F5344CB8AC3E}">
-        <p14:creationId xmlns:p14="http://schemas.microsoft.com/office/powerpoint/2010/main" val="215760780"/>
-      </p:ext>
-    </p:extLst>
-  </p:cSld>
-  <p:clrMapOvr>
-    <a:masterClrMapping/>
-  </p:clrMapOvr>
-</p:sld>
-</file>
-
-<file path=ppt/slides/slide31.xml><?xml version="1.0" encoding="utf-8"?>
-<p:sld xmlns:a="http://schemas.openxmlformats.org/drawingml/2006/main" xmlns:r="http://schemas.openxmlformats.org/officeDocument/2006/relationships" xmlns:p="http://schemas.openxmlformats.org/presentationml/2006/main">
-  <p:cSld>
-    <p:spTree>
-      <p:nvGrpSpPr>
-        <p:cNvPr id="1" name=""/>
-        <p:cNvGrpSpPr/>
-        <p:nvPr/>
-      </p:nvGrpSpPr>
-      <p:grpSpPr>
-        <a:xfrm>
-          <a:off x="0" y="0"/>
-          <a:ext cx="0" cy="0"/>
-          <a:chOff x="0" y="0"/>
-          <a:chExt cx="0" cy="0"/>
-        </a:xfrm>
-      </p:grpSpPr>
-      <p:sp>
-        <p:nvSpPr>
-          <p:cNvPr id="2" name="Title 1"/>
-          <p:cNvSpPr>
-            <a:spLocks noGrp="1"/>
-          </p:cNvSpPr>
-          <p:nvPr>
-            <p:ph type="title"/>
-          </p:nvPr>
-        </p:nvSpPr>
-        <p:spPr/>
-        <p:txBody>
-          <a:bodyPr/>
-          <a:lstStyle/>
-          <a:p>
-            <a:r>
               <a:rPr lang="en-US" altLang="en-US" dirty="0"/>
               <a:t>Types of Sampling</a:t>
             </a:r>
@@ -23826,7 +24641,7 @@
           <a:p>
             <a:fld id="{18A68613-FF0B-4246-B613-8295211CFAFA}" type="slidenum">
               <a:rPr lang="en-US" smtClean="0"/>
-              <a:t>31</a:t>
+              <a:t>33</a:t>
             </a:fld>
             <a:endParaRPr lang="en-US"/>
           </a:p>
@@ -27191,7 +28006,7 @@
 </p:sld>
 </file>
 
-<file path=ppt/slides/slide32.xml><?xml version="1.0" encoding="utf-8"?>
+<file path=ppt/slides/slide34.xml><?xml version="1.0" encoding="utf-8"?>
 <p:sld xmlns:a="http://schemas.openxmlformats.org/drawingml/2006/main" xmlns:r="http://schemas.openxmlformats.org/officeDocument/2006/relationships" xmlns:p="http://schemas.openxmlformats.org/presentationml/2006/main">
   <p:cSld>
     <p:spTree>
@@ -27411,7 +28226,7 @@
           <a:p>
             <a:fld id="{18A68613-FF0B-4246-B613-8295211CFAFA}" type="slidenum">
               <a:rPr lang="en-US" smtClean="0"/>
-              <a:t>32</a:t>
+              <a:t>34</a:t>
             </a:fld>
             <a:endParaRPr lang="en-US"/>
           </a:p>
@@ -28397,7 +29212,7 @@
 </p:sld>
 </file>
 
-<file path=ppt/slides/slide33.xml><?xml version="1.0" encoding="utf-8"?>
+<file path=ppt/slides/slide35.xml><?xml version="1.0" encoding="utf-8"?>
 <p:sld xmlns:a="http://schemas.openxmlformats.org/drawingml/2006/main" xmlns:r="http://schemas.openxmlformats.org/officeDocument/2006/relationships" xmlns:p="http://schemas.openxmlformats.org/presentationml/2006/main">
   <p:cSld>
     <p:spTree>
@@ -28599,7 +29414,7 @@
           <a:p>
             <a:fld id="{18A68613-FF0B-4246-B613-8295211CFAFA}" type="slidenum">
               <a:rPr lang="en-US" smtClean="0"/>
-              <a:t>33</a:t>
+              <a:t>35</a:t>
             </a:fld>
             <a:endParaRPr lang="en-US"/>
           </a:p>
@@ -28659,7 +29474,7 @@
 </p:sld>
 </file>
 
-<file path=ppt/slides/slide34.xml><?xml version="1.0" encoding="utf-8"?>
+<file path=ppt/slides/slide36.xml><?xml version="1.0" encoding="utf-8"?>
 <p:sld xmlns:a="http://schemas.openxmlformats.org/drawingml/2006/main" xmlns:r="http://schemas.openxmlformats.org/officeDocument/2006/relationships" xmlns:p="http://schemas.openxmlformats.org/presentationml/2006/main">
   <p:cSld>
     <p:spTree>
@@ -28887,7 +29702,7 @@
           <a:p>
             <a:fld id="{18A68613-FF0B-4246-B613-8295211CFAFA}" type="slidenum">
               <a:rPr lang="en-US" smtClean="0"/>
-              <a:t>34</a:t>
+              <a:t>36</a:t>
             </a:fld>
             <a:endParaRPr lang="en-US"/>
           </a:p>
@@ -28906,7 +29721,7 @@
 </p:sld>
 </file>
 
-<file path=ppt/slides/slide35.xml><?xml version="1.0" encoding="utf-8"?>
+<file path=ppt/slides/slide37.xml><?xml version="1.0" encoding="utf-8"?>
 <p:sld xmlns:a="http://schemas.openxmlformats.org/drawingml/2006/main" xmlns:r="http://schemas.openxmlformats.org/officeDocument/2006/relationships" xmlns:p="http://schemas.openxmlformats.org/presentationml/2006/main">
   <p:cSld>
     <p:spTree>
@@ -29259,7 +30074,7 @@
           <a:p>
             <a:fld id="{18A68613-FF0B-4246-B613-8295211CFAFA}" type="slidenum">
               <a:rPr lang="en-US" smtClean="0"/>
-              <a:t>35</a:t>
+              <a:t>37</a:t>
             </a:fld>
             <a:endParaRPr lang="en-US"/>
           </a:p>
@@ -29287,7 +30102,7 @@
           <a:graphicData uri="http://schemas.openxmlformats.org/presentationml/2006/ole">
             <mc:AlternateContent xmlns:mc="http://schemas.openxmlformats.org/markup-compatibility/2006">
               <mc:Choice xmlns:v="urn:schemas-microsoft-com:vml" Requires="v">
-                <p:oleObj spid="_x0000_s22539" name="Equation" r:id="rId3" imgW="2222500" imgH="419100" progId="Equation.3">
+                <p:oleObj spid="_x0000_s22600" name="Equation" r:id="rId3" imgW="2222500" imgH="419100" progId="Equation.3">
                   <p:embed/>
                 </p:oleObj>
               </mc:Choice>
@@ -29359,7 +30174,7 @@
           <a:graphicData uri="http://schemas.openxmlformats.org/presentationml/2006/ole">
             <mc:AlternateContent xmlns:mc="http://schemas.openxmlformats.org/markup-compatibility/2006">
               <mc:Choice xmlns:v="urn:schemas-microsoft-com:vml" Requires="v">
-                <p:oleObj spid="_x0000_s22540" name="Equation" r:id="rId5" imgW="3340100" imgH="393700" progId="Equation.3">
+                <p:oleObj spid="_x0000_s22601" name="Equation" r:id="rId5" imgW="3340100" imgH="393700" progId="Equation.3">
                   <p:embed/>
                 </p:oleObj>
               </mc:Choice>
@@ -29458,7 +30273,7 @@
           <a:graphicData uri="http://schemas.openxmlformats.org/presentationml/2006/ole">
             <mc:AlternateContent xmlns:mc="http://schemas.openxmlformats.org/markup-compatibility/2006">
               <mc:Choice xmlns:v="urn:schemas-microsoft-com:vml" Requires="v">
-                <p:oleObj spid="_x0000_s22541" name="Equation" r:id="rId7" imgW="634725" imgH="393529" progId="Equation.3">
+                <p:oleObj spid="_x0000_s22602" name="Equation" r:id="rId7" imgW="634725" imgH="393529" progId="Equation.3">
                   <p:embed/>
                 </p:oleObj>
               </mc:Choice>
@@ -29530,7 +30345,7 @@
           <a:graphicData uri="http://schemas.openxmlformats.org/presentationml/2006/ole">
             <mc:AlternateContent xmlns:mc="http://schemas.openxmlformats.org/markup-compatibility/2006">
               <mc:Choice xmlns:v="urn:schemas-microsoft-com:vml" Requires="v">
-                <p:oleObj spid="_x0000_s22542" name="Equation" r:id="rId9" imgW="495085" imgH="393529" progId="Equation.3">
+                <p:oleObj spid="_x0000_s22603" name="Equation" r:id="rId9" imgW="495085" imgH="393529" progId="Equation.3">
                   <p:embed/>
                 </p:oleObj>
               </mc:Choice>
@@ -29793,7 +30608,7 @@
           <a:graphicData uri="http://schemas.openxmlformats.org/presentationml/2006/ole">
             <mc:AlternateContent xmlns:mc="http://schemas.openxmlformats.org/markup-compatibility/2006">
               <mc:Choice xmlns:v="urn:schemas-microsoft-com:vml" Requires="v">
-                <p:oleObj spid="_x0000_s22543" name="Equation" r:id="rId11" imgW="1498600" imgH="419100" progId="Equation.3">
+                <p:oleObj spid="_x0000_s22604" name="Equation" r:id="rId11" imgW="1498600" imgH="419100" progId="Equation.3">
                   <p:embed/>
                 </p:oleObj>
               </mc:Choice>
@@ -29936,7 +30751,7 @@
 </p:sld>
 </file>
 
-<file path=ppt/slides/slide36.xml><?xml version="1.0" encoding="utf-8"?>
+<file path=ppt/slides/slide38.xml><?xml version="1.0" encoding="utf-8"?>
 <p:sld xmlns:a="http://schemas.openxmlformats.org/drawingml/2006/main" xmlns:r="http://schemas.openxmlformats.org/officeDocument/2006/relationships" xmlns:p="http://schemas.openxmlformats.org/presentationml/2006/main">
   <p:cSld>
     <p:spTree>
@@ -30044,7 +30859,7 @@
             <a:fld id="{18A68613-FF0B-4246-B613-8295211CFAFA}" type="slidenum">
               <a:rPr lang="en-US" smtClean="0"/>
               <a:pPr/>
-              <a:t>36</a:t>
+              <a:t>38</a:t>
             </a:fld>
             <a:endParaRPr lang="en-US"/>
           </a:p>
@@ -30054,393 +30869,6 @@
     <p:extLst>
       <p:ext uri="{BB962C8B-B14F-4D97-AF65-F5344CB8AC3E}">
         <p14:creationId xmlns:p14="http://schemas.microsoft.com/office/powerpoint/2010/main" val="2081712687"/>
-      </p:ext>
-    </p:extLst>
-  </p:cSld>
-  <p:clrMapOvr>
-    <a:masterClrMapping/>
-  </p:clrMapOvr>
-</p:sld>
-</file>
-
-<file path=ppt/slides/slide37.xml><?xml version="1.0" encoding="utf-8"?>
-<p:sld xmlns:a="http://schemas.openxmlformats.org/drawingml/2006/main" xmlns:r="http://schemas.openxmlformats.org/officeDocument/2006/relationships" xmlns:p="http://schemas.openxmlformats.org/presentationml/2006/main">
-  <p:cSld>
-    <p:spTree>
-      <p:nvGrpSpPr>
-        <p:cNvPr id="1" name=""/>
-        <p:cNvGrpSpPr/>
-        <p:nvPr/>
-      </p:nvGrpSpPr>
-      <p:grpSpPr>
-        <a:xfrm>
-          <a:off x="0" y="0"/>
-          <a:ext cx="0" cy="0"/>
-          <a:chOff x="0" y="0"/>
-          <a:chExt cx="0" cy="0"/>
-        </a:xfrm>
-      </p:grpSpPr>
-      <p:sp>
-        <p:nvSpPr>
-          <p:cNvPr id="2" name="Title 1"/>
-          <p:cNvSpPr>
-            <a:spLocks noGrp="1"/>
-          </p:cNvSpPr>
-          <p:nvPr>
-            <p:ph type="title"/>
-          </p:nvPr>
-        </p:nvSpPr>
-        <p:spPr/>
-        <p:txBody>
-          <a:bodyPr/>
-          <a:lstStyle/>
-          <a:p>
-            <a:r>
-              <a:rPr lang="en-US" altLang="en-US" dirty="0"/>
-              <a:t>Dimensionality Reduction</a:t>
-            </a:r>
-            <a:endParaRPr lang="en-US" dirty="0"/>
-          </a:p>
-        </p:txBody>
-      </p:sp>
-      <p:sp>
-        <p:nvSpPr>
-          <p:cNvPr id="3" name="Content Placeholder 2"/>
-          <p:cNvSpPr>
-            <a:spLocks noGrp="1"/>
-          </p:cNvSpPr>
-          <p:nvPr>
-            <p:ph idx="1"/>
-          </p:nvPr>
-        </p:nvSpPr>
-        <p:spPr/>
-        <p:txBody>
-          <a:bodyPr>
-            <a:normAutofit fontScale="70000" lnSpcReduction="20000"/>
-          </a:bodyPr>
-          <a:lstStyle/>
-          <a:p>
-            <a:r>
-              <a:rPr lang="en-US" altLang="en-US" b="1" dirty="0"/>
-              <a:t>Curse of dimensionality</a:t>
-            </a:r>
-          </a:p>
-          <a:p>
-            <a:pPr lvl="1"/>
-            <a:r>
-              <a:rPr lang="en-US" altLang="en-US" dirty="0"/>
-              <a:t>When dimensionality increases, data becomes increasingly sparse</a:t>
-            </a:r>
-          </a:p>
-          <a:p>
-            <a:pPr lvl="1"/>
-            <a:r>
-              <a:rPr lang="en-US" altLang="en-US" dirty="0"/>
-              <a:t>Density and distance between points, which is critical to clustering, outlier analysis, becomes less meaningful</a:t>
-            </a:r>
-          </a:p>
-          <a:p>
-            <a:pPr lvl="1"/>
-            <a:r>
-              <a:rPr lang="en-US" altLang="en-US" dirty="0"/>
-              <a:t>The possible combinations of subspaces will grow exponentially</a:t>
-            </a:r>
-          </a:p>
-          <a:p>
-            <a:r>
-              <a:rPr lang="en-US" altLang="en-US" b="1" dirty="0"/>
-              <a:t>Dimensionality reduction</a:t>
-            </a:r>
-          </a:p>
-          <a:p>
-            <a:pPr lvl="1"/>
-            <a:r>
-              <a:rPr lang="en-US" dirty="0"/>
-              <a:t>Reducing the number of random variables under consideration, via obtaining a set of principal variables</a:t>
-            </a:r>
-          </a:p>
-          <a:p>
-            <a:r>
-              <a:rPr lang="en-US" altLang="en-US" b="1" dirty="0"/>
-              <a:t>Advantages of dimensionality reduction</a:t>
-            </a:r>
-            <a:endParaRPr lang="en-US" dirty="0"/>
-          </a:p>
-          <a:p>
-            <a:pPr lvl="1"/>
-            <a:r>
-              <a:rPr lang="en-US" altLang="en-US" dirty="0">
-                <a:latin typeface="Calibri" panose="020F0502020204030204" pitchFamily="34" charset="0"/>
-              </a:rPr>
-              <a:t>Avoid the curse of dimensionality</a:t>
-            </a:r>
-          </a:p>
-          <a:p>
-            <a:pPr lvl="1"/>
-            <a:r>
-              <a:rPr lang="en-US" altLang="en-US" dirty="0">
-                <a:latin typeface="Calibri" panose="020F0502020204030204" pitchFamily="34" charset="0"/>
-              </a:rPr>
-              <a:t>Help eliminate irrelevant features and reduce noise</a:t>
-            </a:r>
-          </a:p>
-          <a:p>
-            <a:pPr lvl="1"/>
-            <a:r>
-              <a:rPr lang="en-US" altLang="en-US" dirty="0">
-                <a:latin typeface="Calibri" panose="020F0502020204030204" pitchFamily="34" charset="0"/>
-              </a:rPr>
-              <a:t>Reduce time and space required in data mining</a:t>
-            </a:r>
-          </a:p>
-          <a:p>
-            <a:pPr lvl="1"/>
-            <a:r>
-              <a:rPr lang="en-US" altLang="en-US" dirty="0">
-                <a:latin typeface="Calibri" panose="020F0502020204030204" pitchFamily="34" charset="0"/>
-              </a:rPr>
-              <a:t>Allow easier </a:t>
-            </a:r>
-            <a:r>
-              <a:rPr lang="en-US" altLang="en-US" dirty="0" smtClean="0">
-                <a:latin typeface="Calibri" panose="020F0502020204030204" pitchFamily="34" charset="0"/>
-              </a:rPr>
-              <a:t>visualization</a:t>
-            </a:r>
-            <a:endParaRPr lang="en-US" altLang="en-US" dirty="0">
-              <a:latin typeface="Calibri" panose="020F0502020204030204" pitchFamily="34" charset="0"/>
-            </a:endParaRPr>
-          </a:p>
-        </p:txBody>
-      </p:sp>
-      <p:sp>
-        <p:nvSpPr>
-          <p:cNvPr id="4" name="Slide Number Placeholder 3"/>
-          <p:cNvSpPr>
-            <a:spLocks noGrp="1"/>
-          </p:cNvSpPr>
-          <p:nvPr>
-            <p:ph type="sldNum" sz="quarter" idx="12"/>
-          </p:nvPr>
-        </p:nvSpPr>
-        <p:spPr/>
-        <p:txBody>
-          <a:bodyPr/>
-          <a:lstStyle/>
-          <a:p>
-            <a:fld id="{18A68613-FF0B-4246-B613-8295211CFAFA}" type="slidenum">
-              <a:rPr lang="en-US" smtClean="0"/>
-              <a:t>37</a:t>
-            </a:fld>
-            <a:endParaRPr lang="en-US"/>
-          </a:p>
-        </p:txBody>
-      </p:sp>
-    </p:spTree>
-    <p:extLst>
-      <p:ext uri="{BB962C8B-B14F-4D97-AF65-F5344CB8AC3E}">
-        <p14:creationId xmlns:p14="http://schemas.microsoft.com/office/powerpoint/2010/main" val="370177533"/>
-      </p:ext>
-    </p:extLst>
-  </p:cSld>
-  <p:clrMapOvr>
-    <a:masterClrMapping/>
-  </p:clrMapOvr>
-</p:sld>
-</file>
-
-<file path=ppt/slides/slide38.xml><?xml version="1.0" encoding="utf-8"?>
-<p:sld xmlns:a="http://schemas.openxmlformats.org/drawingml/2006/main" xmlns:r="http://schemas.openxmlformats.org/officeDocument/2006/relationships" xmlns:p="http://schemas.openxmlformats.org/presentationml/2006/main">
-  <p:cSld>
-    <p:spTree>
-      <p:nvGrpSpPr>
-        <p:cNvPr id="1" name=""/>
-        <p:cNvGrpSpPr/>
-        <p:nvPr/>
-      </p:nvGrpSpPr>
-      <p:grpSpPr>
-        <a:xfrm>
-          <a:off x="0" y="0"/>
-          <a:ext cx="0" cy="0"/>
-          <a:chOff x="0" y="0"/>
-          <a:chExt cx="0" cy="0"/>
-        </a:xfrm>
-      </p:grpSpPr>
-      <p:sp>
-        <p:nvSpPr>
-          <p:cNvPr id="2" name="Title 1"/>
-          <p:cNvSpPr>
-            <a:spLocks noGrp="1"/>
-          </p:cNvSpPr>
-          <p:nvPr>
-            <p:ph type="title"/>
-          </p:nvPr>
-        </p:nvSpPr>
-        <p:spPr/>
-        <p:txBody>
-          <a:bodyPr>
-            <a:normAutofit fontScale="90000"/>
-          </a:bodyPr>
-          <a:lstStyle/>
-          <a:p>
-            <a:r>
-              <a:rPr lang="en-US" altLang="en-US" dirty="0"/>
-              <a:t>Dimensionality Reduction Techniques</a:t>
-            </a:r>
-            <a:endParaRPr lang="en-US" dirty="0"/>
-          </a:p>
-        </p:txBody>
-      </p:sp>
-      <p:sp>
-        <p:nvSpPr>
-          <p:cNvPr id="3" name="Content Placeholder 2"/>
-          <p:cNvSpPr>
-            <a:spLocks noGrp="1"/>
-          </p:cNvSpPr>
-          <p:nvPr>
-            <p:ph idx="1"/>
-          </p:nvPr>
-        </p:nvSpPr>
-        <p:spPr/>
-        <p:txBody>
-          <a:bodyPr>
-            <a:normAutofit fontScale="92500" lnSpcReduction="20000"/>
-          </a:bodyPr>
-          <a:lstStyle/>
-          <a:p>
-            <a:pPr>
-              <a:spcAft>
-                <a:spcPts val="600"/>
-              </a:spcAft>
-            </a:pPr>
-            <a:r>
-              <a:rPr lang="en-US" altLang="en-US" dirty="0"/>
-              <a:t>Dimensionality reduction methodologies</a:t>
-            </a:r>
-          </a:p>
-          <a:p>
-            <a:pPr lvl="1">
-              <a:spcAft>
-                <a:spcPts val="600"/>
-              </a:spcAft>
-            </a:pPr>
-            <a:r>
-              <a:rPr lang="en-US" b="1" dirty="0"/>
-              <a:t>Feature selection</a:t>
-            </a:r>
-            <a:r>
-              <a:rPr lang="en-US" dirty="0"/>
-              <a:t>: Find a subset of the original variables (or features, attributes)</a:t>
-            </a:r>
-          </a:p>
-          <a:p>
-            <a:pPr lvl="1">
-              <a:spcAft>
-                <a:spcPts val="600"/>
-              </a:spcAft>
-            </a:pPr>
-            <a:r>
-              <a:rPr lang="en-US" b="1" dirty="0"/>
-              <a:t>Feature extraction</a:t>
-            </a:r>
-            <a:r>
-              <a:rPr lang="en-US" dirty="0"/>
-              <a:t>: Transform the data in the high-dimensional space to a space of fewer dimensions</a:t>
-            </a:r>
-          </a:p>
-          <a:p>
-            <a:pPr>
-              <a:spcAft>
-                <a:spcPts val="600"/>
-              </a:spcAft>
-            </a:pPr>
-            <a:r>
-              <a:rPr lang="en-US" altLang="en-US" dirty="0"/>
-              <a:t>Some typical dimensionality methods</a:t>
-            </a:r>
-          </a:p>
-          <a:p>
-            <a:pPr lvl="1">
-              <a:spcAft>
-                <a:spcPts val="600"/>
-              </a:spcAft>
-            </a:pPr>
-            <a:r>
-              <a:rPr lang="en-US" altLang="en-US" dirty="0"/>
-              <a:t>Principal Component Analysis</a:t>
-            </a:r>
-          </a:p>
-          <a:p>
-            <a:pPr lvl="1">
-              <a:spcAft>
-                <a:spcPts val="600"/>
-              </a:spcAft>
-            </a:pPr>
-            <a:r>
-              <a:rPr lang="en-US" altLang="en-US" dirty="0"/>
-              <a:t>Supervised and nonlinear techniques </a:t>
-            </a:r>
-          </a:p>
-          <a:p>
-            <a:pPr lvl="2">
-              <a:spcAft>
-                <a:spcPts val="600"/>
-              </a:spcAft>
-            </a:pPr>
-            <a:r>
-              <a:rPr lang="en-US" altLang="en-US" dirty="0"/>
-              <a:t>Feature subset selection</a:t>
-            </a:r>
-          </a:p>
-          <a:p>
-            <a:pPr lvl="2">
-              <a:spcAft>
-                <a:spcPts val="600"/>
-              </a:spcAft>
-            </a:pPr>
-            <a:r>
-              <a:rPr lang="en-US" altLang="en-US" dirty="0"/>
-              <a:t>Feature </a:t>
-            </a:r>
-            <a:r>
-              <a:rPr lang="en-US" altLang="en-US" dirty="0" smtClean="0"/>
-              <a:t>creatio</a:t>
-            </a:r>
-            <a:r>
-              <a:rPr lang="en-US" altLang="zh-CN" dirty="0" smtClean="0"/>
-              <a:t>n</a:t>
-            </a:r>
-            <a:endParaRPr lang="en-US" dirty="0"/>
-          </a:p>
-        </p:txBody>
-      </p:sp>
-      <p:sp>
-        <p:nvSpPr>
-          <p:cNvPr id="4" name="Slide Number Placeholder 3"/>
-          <p:cNvSpPr>
-            <a:spLocks noGrp="1"/>
-          </p:cNvSpPr>
-          <p:nvPr>
-            <p:ph type="sldNum" sz="quarter" idx="12"/>
-          </p:nvPr>
-        </p:nvSpPr>
-        <p:spPr/>
-        <p:txBody>
-          <a:bodyPr/>
-          <a:lstStyle/>
-          <a:p>
-            <a:fld id="{18A68613-FF0B-4246-B613-8295211CFAFA}" type="slidenum">
-              <a:rPr lang="en-US" smtClean="0"/>
-              <a:t>38</a:t>
-            </a:fld>
-            <a:endParaRPr lang="en-US"/>
-          </a:p>
-        </p:txBody>
-      </p:sp>
-    </p:spTree>
-    <p:extLst>
-      <p:ext uri="{BB962C8B-B14F-4D97-AF65-F5344CB8AC3E}">
-        <p14:creationId xmlns:p14="http://schemas.microsoft.com/office/powerpoint/2010/main" val="313671772"/>
       </p:ext>
     </p:extLst>
   </p:cSld>
@@ -30479,6 +30907,640 @@
         </p:nvSpPr>
         <p:spPr/>
         <p:txBody>
+          <a:bodyPr/>
+          <a:lstStyle/>
+          <a:p>
+            <a:r>
+              <a:rPr lang="en-US" altLang="en-US" dirty="0"/>
+              <a:t>Dimensionality Reduction</a:t>
+            </a:r>
+            <a:endParaRPr lang="en-US" dirty="0"/>
+          </a:p>
+        </p:txBody>
+      </p:sp>
+      <p:sp>
+        <p:nvSpPr>
+          <p:cNvPr id="3" name="Content Placeholder 2"/>
+          <p:cNvSpPr>
+            <a:spLocks noGrp="1"/>
+          </p:cNvSpPr>
+          <p:nvPr>
+            <p:ph idx="1"/>
+          </p:nvPr>
+        </p:nvSpPr>
+        <p:spPr/>
+        <p:txBody>
+          <a:bodyPr>
+            <a:normAutofit fontScale="70000" lnSpcReduction="20000"/>
+          </a:bodyPr>
+          <a:lstStyle/>
+          <a:p>
+            <a:r>
+              <a:rPr lang="en-US" altLang="en-US" b="1" dirty="0"/>
+              <a:t>Curse of dimensionality</a:t>
+            </a:r>
+          </a:p>
+          <a:p>
+            <a:pPr lvl="1"/>
+            <a:r>
+              <a:rPr lang="en-US" altLang="en-US" dirty="0"/>
+              <a:t>When dimensionality increases, data becomes increasingly sparse</a:t>
+            </a:r>
+          </a:p>
+          <a:p>
+            <a:pPr lvl="1"/>
+            <a:r>
+              <a:rPr lang="en-US" altLang="en-US" dirty="0"/>
+              <a:t>Density and distance between points, which is critical to clustering, outlier analysis, becomes less meaningful</a:t>
+            </a:r>
+          </a:p>
+          <a:p>
+            <a:pPr lvl="1"/>
+            <a:r>
+              <a:rPr lang="en-US" altLang="en-US" dirty="0"/>
+              <a:t>The possible combinations of subspaces will grow exponentially</a:t>
+            </a:r>
+          </a:p>
+          <a:p>
+            <a:r>
+              <a:rPr lang="en-US" altLang="en-US" b="1" dirty="0"/>
+              <a:t>Dimensionality reduction</a:t>
+            </a:r>
+          </a:p>
+          <a:p>
+            <a:pPr lvl="1"/>
+            <a:r>
+              <a:rPr lang="en-US" dirty="0"/>
+              <a:t>Reducing the number of random variables under consideration, via obtaining a set of principal variables</a:t>
+            </a:r>
+          </a:p>
+          <a:p>
+            <a:r>
+              <a:rPr lang="en-US" altLang="en-US" b="1" dirty="0"/>
+              <a:t>Advantages of dimensionality reduction</a:t>
+            </a:r>
+            <a:endParaRPr lang="en-US" dirty="0"/>
+          </a:p>
+          <a:p>
+            <a:pPr lvl="1"/>
+            <a:r>
+              <a:rPr lang="en-US" altLang="en-US" dirty="0">
+                <a:latin typeface="Calibri" panose="020F0502020204030204" pitchFamily="34" charset="0"/>
+              </a:rPr>
+              <a:t>Avoid the curse of dimensionality</a:t>
+            </a:r>
+          </a:p>
+          <a:p>
+            <a:pPr lvl="1"/>
+            <a:r>
+              <a:rPr lang="en-US" altLang="en-US" dirty="0">
+                <a:latin typeface="Calibri" panose="020F0502020204030204" pitchFamily="34" charset="0"/>
+              </a:rPr>
+              <a:t>Help eliminate irrelevant features and reduce noise</a:t>
+            </a:r>
+          </a:p>
+          <a:p>
+            <a:pPr lvl="1"/>
+            <a:r>
+              <a:rPr lang="en-US" altLang="en-US" dirty="0">
+                <a:latin typeface="Calibri" panose="020F0502020204030204" pitchFamily="34" charset="0"/>
+              </a:rPr>
+              <a:t>Reduce time and space required in data mining</a:t>
+            </a:r>
+          </a:p>
+          <a:p>
+            <a:pPr lvl="1"/>
+            <a:r>
+              <a:rPr lang="en-US" altLang="en-US" dirty="0">
+                <a:latin typeface="Calibri" panose="020F0502020204030204" pitchFamily="34" charset="0"/>
+              </a:rPr>
+              <a:t>Allow easier </a:t>
+            </a:r>
+            <a:r>
+              <a:rPr lang="en-US" altLang="en-US" dirty="0" smtClean="0">
+                <a:latin typeface="Calibri" panose="020F0502020204030204" pitchFamily="34" charset="0"/>
+              </a:rPr>
+              <a:t>visualization</a:t>
+            </a:r>
+            <a:endParaRPr lang="en-US" altLang="en-US" dirty="0">
+              <a:latin typeface="Calibri" panose="020F0502020204030204" pitchFamily="34" charset="0"/>
+            </a:endParaRPr>
+          </a:p>
+        </p:txBody>
+      </p:sp>
+      <p:sp>
+        <p:nvSpPr>
+          <p:cNvPr id="4" name="Slide Number Placeholder 3"/>
+          <p:cNvSpPr>
+            <a:spLocks noGrp="1"/>
+          </p:cNvSpPr>
+          <p:nvPr>
+            <p:ph type="sldNum" sz="quarter" idx="12"/>
+          </p:nvPr>
+        </p:nvSpPr>
+        <p:spPr/>
+        <p:txBody>
+          <a:bodyPr/>
+          <a:lstStyle/>
+          <a:p>
+            <a:fld id="{18A68613-FF0B-4246-B613-8295211CFAFA}" type="slidenum">
+              <a:rPr lang="en-US" smtClean="0"/>
+              <a:t>39</a:t>
+            </a:fld>
+            <a:endParaRPr lang="en-US"/>
+          </a:p>
+        </p:txBody>
+      </p:sp>
+    </p:spTree>
+    <p:extLst>
+      <p:ext uri="{BB962C8B-B14F-4D97-AF65-F5344CB8AC3E}">
+        <p14:creationId xmlns:p14="http://schemas.microsoft.com/office/powerpoint/2010/main" val="370177533"/>
+      </p:ext>
+    </p:extLst>
+  </p:cSld>
+  <p:clrMapOvr>
+    <a:masterClrMapping/>
+  </p:clrMapOvr>
+</p:sld>
+</file>
+
+<file path=ppt/slides/slide4.xml><?xml version="1.0" encoding="utf-8"?>
+<p:sld xmlns:a="http://schemas.openxmlformats.org/drawingml/2006/main" xmlns:r="http://schemas.openxmlformats.org/officeDocument/2006/relationships" xmlns:p="http://schemas.openxmlformats.org/presentationml/2006/main">
+  <p:cSld>
+    <p:spTree>
+      <p:nvGrpSpPr>
+        <p:cNvPr id="1" name=""/>
+        <p:cNvGrpSpPr/>
+        <p:nvPr/>
+      </p:nvGrpSpPr>
+      <p:grpSpPr>
+        <a:xfrm>
+          <a:off x="0" y="0"/>
+          <a:ext cx="0" cy="0"/>
+          <a:chOff x="0" y="0"/>
+          <a:chExt cx="0" cy="0"/>
+        </a:xfrm>
+      </p:grpSpPr>
+      <p:sp>
+        <p:nvSpPr>
+          <p:cNvPr id="2" name="Title 1"/>
+          <p:cNvSpPr>
+            <a:spLocks noGrp="1"/>
+          </p:cNvSpPr>
+          <p:nvPr>
+            <p:ph type="title"/>
+          </p:nvPr>
+        </p:nvSpPr>
+        <p:spPr/>
+        <p:txBody>
+          <a:bodyPr/>
+          <a:lstStyle/>
+          <a:p>
+            <a:r>
+              <a:rPr lang="en-US" altLang="zh-CN" dirty="0" smtClean="0"/>
+              <a:t>Data</a:t>
+            </a:r>
+            <a:r>
+              <a:rPr lang="zh-CN" altLang="en-US" dirty="0" smtClean="0"/>
+              <a:t> </a:t>
+            </a:r>
+            <a:r>
+              <a:rPr lang="en-US" altLang="zh-CN" dirty="0" smtClean="0"/>
+              <a:t>Cleaning</a:t>
+            </a:r>
+            <a:endParaRPr lang="en-US" dirty="0"/>
+          </a:p>
+        </p:txBody>
+      </p:sp>
+      <p:sp>
+        <p:nvSpPr>
+          <p:cNvPr id="3" name="Content Placeholder 2"/>
+          <p:cNvSpPr>
+            <a:spLocks noGrp="1"/>
+          </p:cNvSpPr>
+          <p:nvPr>
+            <p:ph idx="1"/>
+          </p:nvPr>
+        </p:nvSpPr>
+        <p:spPr/>
+        <p:txBody>
+          <a:bodyPr>
+            <a:normAutofit fontScale="92500" lnSpcReduction="10000"/>
+          </a:bodyPr>
+          <a:lstStyle/>
+          <a:p>
+            <a:r>
+              <a:rPr lang="en-US" altLang="en-US" sz="2200" dirty="0"/>
+              <a:t>Data in the Real World Is Dirty: Lots of potentially incorrect data, e.g., instrument faulty, human or computer error, and transmission error</a:t>
+            </a:r>
+          </a:p>
+          <a:p>
+            <a:pPr lvl="1"/>
+            <a:r>
+              <a:rPr lang="en-US" altLang="en-US" sz="2200" u="sng" dirty="0"/>
+              <a:t>Incomplete</a:t>
+            </a:r>
+            <a:r>
+              <a:rPr lang="en-US" altLang="en-US" sz="2200" dirty="0"/>
+              <a:t>: lacking attribute values, lacking certain attributes of interest, or containing only aggregate data</a:t>
+            </a:r>
+          </a:p>
+          <a:p>
+            <a:pPr lvl="2"/>
+            <a:r>
+              <a:rPr lang="en-US" altLang="en-US" sz="2200" dirty="0"/>
+              <a:t>e.g., </a:t>
+            </a:r>
+            <a:r>
+              <a:rPr lang="en-US" altLang="en-US" sz="2200" i="1" dirty="0"/>
+              <a:t>Occupation </a:t>
+            </a:r>
+            <a:r>
+              <a:rPr lang="en-US" altLang="en-US" sz="2200" dirty="0"/>
+              <a:t>= “ ” (missing data)</a:t>
+            </a:r>
+          </a:p>
+          <a:p>
+            <a:pPr lvl="1"/>
+            <a:r>
+              <a:rPr lang="en-US" altLang="en-US" sz="2200" u="sng" dirty="0"/>
+              <a:t>Noisy</a:t>
+            </a:r>
+            <a:r>
+              <a:rPr lang="en-US" altLang="en-US" sz="2200" dirty="0"/>
+              <a:t>: containing noise, errors, or outliers</a:t>
+            </a:r>
+          </a:p>
+          <a:p>
+            <a:pPr lvl="2"/>
+            <a:r>
+              <a:rPr lang="en-US" altLang="en-US" sz="2200" dirty="0"/>
+              <a:t>e.g., </a:t>
+            </a:r>
+            <a:r>
+              <a:rPr lang="en-US" altLang="en-US" sz="2200" i="1" dirty="0"/>
+              <a:t>Salary </a:t>
+            </a:r>
+            <a:r>
+              <a:rPr lang="en-US" altLang="en-US" sz="2200" dirty="0"/>
+              <a:t>= “</a:t>
+            </a:r>
+            <a:r>
+              <a:rPr lang="en-US" altLang="en-US" sz="2200" dirty="0">
+                <a:cs typeface="Tahoma" panose="020B0604030504040204" pitchFamily="34" charset="0"/>
+              </a:rPr>
+              <a:t>−</a:t>
+            </a:r>
+            <a:r>
+              <a:rPr lang="en-US" altLang="en-US" sz="2200" dirty="0"/>
+              <a:t>10” (an error)</a:t>
+            </a:r>
+          </a:p>
+          <a:p>
+            <a:pPr lvl="1"/>
+            <a:r>
+              <a:rPr lang="en-US" altLang="en-US" sz="2200" u="sng" dirty="0"/>
+              <a:t>Inconsistent</a:t>
+            </a:r>
+            <a:r>
+              <a:rPr lang="en-US" altLang="en-US" sz="2200" dirty="0"/>
+              <a:t>: containing discrepancies in codes or names, e.g.,</a:t>
+            </a:r>
+          </a:p>
+          <a:p>
+            <a:pPr lvl="2"/>
+            <a:r>
+              <a:rPr lang="en-US" altLang="en-US" sz="2200" i="1" dirty="0"/>
+              <a:t>Age </a:t>
+            </a:r>
+            <a:r>
+              <a:rPr lang="en-US" altLang="en-US" sz="2200" dirty="0"/>
+              <a:t>= “42”, </a:t>
+            </a:r>
+            <a:r>
+              <a:rPr lang="en-US" altLang="en-US" sz="2200" i="1" dirty="0"/>
+              <a:t>Birthday </a:t>
+            </a:r>
+            <a:r>
+              <a:rPr lang="en-US" altLang="en-US" sz="2200" dirty="0"/>
+              <a:t>= “03/07/2010”</a:t>
+            </a:r>
+          </a:p>
+          <a:p>
+            <a:pPr lvl="2"/>
+            <a:r>
+              <a:rPr lang="en-US" altLang="en-US" sz="2200" dirty="0"/>
+              <a:t>Was rating “1, 2, 3”, now rating “A, B, C”</a:t>
+            </a:r>
+          </a:p>
+          <a:p>
+            <a:pPr lvl="2"/>
+            <a:r>
+              <a:rPr lang="en-US" altLang="en-US" sz="2200" dirty="0"/>
+              <a:t>discrepancy between duplicate records</a:t>
+            </a:r>
+          </a:p>
+          <a:p>
+            <a:pPr lvl="1"/>
+            <a:r>
+              <a:rPr lang="en-US" altLang="en-US" sz="2200" u="sng" dirty="0"/>
+              <a:t>Intentional</a:t>
+            </a:r>
+            <a:r>
+              <a:rPr lang="en-US" altLang="en-US" sz="2200" b="1" u="sng" dirty="0"/>
+              <a:t> </a:t>
+            </a:r>
+            <a:r>
+              <a:rPr lang="en-US" altLang="en-US" sz="2200" dirty="0"/>
+              <a:t>(e.g., </a:t>
+            </a:r>
+            <a:r>
+              <a:rPr lang="en-US" altLang="en-US" sz="2200" i="1" dirty="0"/>
+              <a:t>disguised missing</a:t>
+            </a:r>
+            <a:r>
+              <a:rPr lang="en-US" altLang="en-US" sz="2200" dirty="0"/>
+              <a:t> data)</a:t>
+            </a:r>
+          </a:p>
+          <a:p>
+            <a:pPr lvl="2"/>
+            <a:r>
+              <a:rPr lang="en-US" altLang="en-US" sz="2200" dirty="0"/>
+              <a:t>Jan. 1 as everyone’s birthday?</a:t>
+            </a:r>
+          </a:p>
+          <a:p>
+            <a:endParaRPr lang="en-US" dirty="0"/>
+          </a:p>
+        </p:txBody>
+      </p:sp>
+      <p:sp>
+        <p:nvSpPr>
+          <p:cNvPr id="4" name="Slide Number Placeholder 3"/>
+          <p:cNvSpPr>
+            <a:spLocks noGrp="1"/>
+          </p:cNvSpPr>
+          <p:nvPr>
+            <p:ph type="sldNum" sz="quarter" idx="12"/>
+          </p:nvPr>
+        </p:nvSpPr>
+        <p:spPr/>
+        <p:txBody>
+          <a:bodyPr/>
+          <a:lstStyle/>
+          <a:p>
+            <a:fld id="{18A68613-FF0B-4246-B613-8295211CFAFA}" type="slidenum">
+              <a:rPr lang="en-US" smtClean="0"/>
+              <a:t>4</a:t>
+            </a:fld>
+            <a:endParaRPr lang="en-US"/>
+          </a:p>
+        </p:txBody>
+      </p:sp>
+    </p:spTree>
+    <p:extLst>
+      <p:ext uri="{BB962C8B-B14F-4D97-AF65-F5344CB8AC3E}">
+        <p14:creationId xmlns:p14="http://schemas.microsoft.com/office/powerpoint/2010/main" val="1905285657"/>
+      </p:ext>
+    </p:extLst>
+  </p:cSld>
+  <p:clrMapOvr>
+    <a:masterClrMapping/>
+  </p:clrMapOvr>
+</p:sld>
+</file>
+
+<file path=ppt/slides/slide40.xml><?xml version="1.0" encoding="utf-8"?>
+<p:sld xmlns:a="http://schemas.openxmlformats.org/drawingml/2006/main" xmlns:r="http://schemas.openxmlformats.org/officeDocument/2006/relationships" xmlns:p="http://schemas.openxmlformats.org/presentationml/2006/main">
+  <p:cSld>
+    <p:spTree>
+      <p:nvGrpSpPr>
+        <p:cNvPr id="1" name=""/>
+        <p:cNvGrpSpPr/>
+        <p:nvPr/>
+      </p:nvGrpSpPr>
+      <p:grpSpPr>
+        <a:xfrm>
+          <a:off x="0" y="0"/>
+          <a:ext cx="0" cy="0"/>
+          <a:chOff x="0" y="0"/>
+          <a:chExt cx="0" cy="0"/>
+        </a:xfrm>
+      </p:grpSpPr>
+      <p:sp>
+        <p:nvSpPr>
+          <p:cNvPr id="2" name="Title 1"/>
+          <p:cNvSpPr>
+            <a:spLocks noGrp="1"/>
+          </p:cNvSpPr>
+          <p:nvPr>
+            <p:ph type="title"/>
+          </p:nvPr>
+        </p:nvSpPr>
+        <p:spPr/>
+        <p:txBody>
+          <a:bodyPr>
+            <a:normAutofit fontScale="90000"/>
+          </a:bodyPr>
+          <a:lstStyle/>
+          <a:p>
+            <a:r>
+              <a:rPr lang="en-US" altLang="en-US" dirty="0"/>
+              <a:t>Dimensionality Reduction Techniques</a:t>
+            </a:r>
+            <a:endParaRPr lang="en-US" dirty="0"/>
+          </a:p>
+        </p:txBody>
+      </p:sp>
+      <p:sp>
+        <p:nvSpPr>
+          <p:cNvPr id="3" name="Content Placeholder 2"/>
+          <p:cNvSpPr>
+            <a:spLocks noGrp="1"/>
+          </p:cNvSpPr>
+          <p:nvPr>
+            <p:ph idx="1"/>
+          </p:nvPr>
+        </p:nvSpPr>
+        <p:spPr/>
+        <p:txBody>
+          <a:bodyPr>
+            <a:normAutofit fontScale="92500" lnSpcReduction="20000"/>
+          </a:bodyPr>
+          <a:lstStyle/>
+          <a:p>
+            <a:pPr>
+              <a:spcAft>
+                <a:spcPts val="600"/>
+              </a:spcAft>
+            </a:pPr>
+            <a:r>
+              <a:rPr lang="en-US" altLang="en-US" dirty="0"/>
+              <a:t>Dimensionality reduction methodologies</a:t>
+            </a:r>
+          </a:p>
+          <a:p>
+            <a:pPr lvl="1">
+              <a:spcAft>
+                <a:spcPts val="600"/>
+              </a:spcAft>
+            </a:pPr>
+            <a:r>
+              <a:rPr lang="en-US" b="1" dirty="0"/>
+              <a:t>Feature selection</a:t>
+            </a:r>
+            <a:r>
+              <a:rPr lang="en-US" dirty="0"/>
+              <a:t>: Find a subset of the original variables (or features, attributes)</a:t>
+            </a:r>
+          </a:p>
+          <a:p>
+            <a:pPr lvl="1">
+              <a:spcAft>
+                <a:spcPts val="600"/>
+              </a:spcAft>
+            </a:pPr>
+            <a:r>
+              <a:rPr lang="en-US" b="1" dirty="0"/>
+              <a:t>Feature extraction</a:t>
+            </a:r>
+            <a:r>
+              <a:rPr lang="en-US" dirty="0"/>
+              <a:t>: Transform the data in the high-dimensional space to a space of fewer dimensions</a:t>
+            </a:r>
+          </a:p>
+          <a:p>
+            <a:pPr>
+              <a:spcAft>
+                <a:spcPts val="600"/>
+              </a:spcAft>
+            </a:pPr>
+            <a:r>
+              <a:rPr lang="en-US" altLang="en-US" dirty="0"/>
+              <a:t>Some typical dimensionality methods</a:t>
+            </a:r>
+          </a:p>
+          <a:p>
+            <a:pPr lvl="1">
+              <a:spcAft>
+                <a:spcPts val="600"/>
+              </a:spcAft>
+            </a:pPr>
+            <a:r>
+              <a:rPr lang="en-US" altLang="en-US" dirty="0"/>
+              <a:t>Principal Component Analysis</a:t>
+            </a:r>
+          </a:p>
+          <a:p>
+            <a:pPr lvl="1">
+              <a:spcAft>
+                <a:spcPts val="600"/>
+              </a:spcAft>
+            </a:pPr>
+            <a:r>
+              <a:rPr lang="en-US" altLang="en-US" dirty="0"/>
+              <a:t>Supervised and nonlinear techniques </a:t>
+            </a:r>
+          </a:p>
+          <a:p>
+            <a:pPr lvl="2">
+              <a:spcAft>
+                <a:spcPts val="600"/>
+              </a:spcAft>
+            </a:pPr>
+            <a:r>
+              <a:rPr lang="en-US" altLang="en-US" dirty="0"/>
+              <a:t>Feature subset selection</a:t>
+            </a:r>
+          </a:p>
+          <a:p>
+            <a:pPr lvl="2">
+              <a:spcAft>
+                <a:spcPts val="600"/>
+              </a:spcAft>
+            </a:pPr>
+            <a:r>
+              <a:rPr lang="en-US" altLang="en-US" dirty="0"/>
+              <a:t>Feature </a:t>
+            </a:r>
+            <a:r>
+              <a:rPr lang="en-US" altLang="en-US" dirty="0" smtClean="0"/>
+              <a:t>creatio</a:t>
+            </a:r>
+            <a:r>
+              <a:rPr lang="en-US" altLang="zh-CN" dirty="0" smtClean="0"/>
+              <a:t>n</a:t>
+            </a:r>
+            <a:endParaRPr lang="en-US" dirty="0"/>
+          </a:p>
+        </p:txBody>
+      </p:sp>
+      <p:sp>
+        <p:nvSpPr>
+          <p:cNvPr id="4" name="Slide Number Placeholder 3"/>
+          <p:cNvSpPr>
+            <a:spLocks noGrp="1"/>
+          </p:cNvSpPr>
+          <p:nvPr>
+            <p:ph type="sldNum" sz="quarter" idx="12"/>
+          </p:nvPr>
+        </p:nvSpPr>
+        <p:spPr/>
+        <p:txBody>
+          <a:bodyPr/>
+          <a:lstStyle/>
+          <a:p>
+            <a:fld id="{18A68613-FF0B-4246-B613-8295211CFAFA}" type="slidenum">
+              <a:rPr lang="en-US" smtClean="0"/>
+              <a:t>40</a:t>
+            </a:fld>
+            <a:endParaRPr lang="en-US"/>
+          </a:p>
+        </p:txBody>
+      </p:sp>
+    </p:spTree>
+    <p:extLst>
+      <p:ext uri="{BB962C8B-B14F-4D97-AF65-F5344CB8AC3E}">
+        <p14:creationId xmlns:p14="http://schemas.microsoft.com/office/powerpoint/2010/main" val="313671772"/>
+      </p:ext>
+    </p:extLst>
+  </p:cSld>
+  <p:clrMapOvr>
+    <a:masterClrMapping/>
+  </p:clrMapOvr>
+</p:sld>
+</file>
+
+<file path=ppt/slides/slide41.xml><?xml version="1.0" encoding="utf-8"?>
+<p:sld xmlns:a="http://schemas.openxmlformats.org/drawingml/2006/main" xmlns:r="http://schemas.openxmlformats.org/officeDocument/2006/relationships" xmlns:p="http://schemas.openxmlformats.org/presentationml/2006/main">
+  <p:cSld>
+    <p:spTree>
+      <p:nvGrpSpPr>
+        <p:cNvPr id="1" name=""/>
+        <p:cNvGrpSpPr/>
+        <p:nvPr/>
+      </p:nvGrpSpPr>
+      <p:grpSpPr>
+        <a:xfrm>
+          <a:off x="0" y="0"/>
+          <a:ext cx="0" cy="0"/>
+          <a:chOff x="0" y="0"/>
+          <a:chExt cx="0" cy="0"/>
+        </a:xfrm>
+      </p:grpSpPr>
+      <p:sp>
+        <p:nvSpPr>
+          <p:cNvPr id="2" name="Title 1"/>
+          <p:cNvSpPr>
+            <a:spLocks noGrp="1"/>
+          </p:cNvSpPr>
+          <p:nvPr>
+            <p:ph type="title"/>
+          </p:nvPr>
+        </p:nvSpPr>
+        <p:spPr/>
+        <p:txBody>
           <a:bodyPr>
             <a:normAutofit fontScale="90000"/>
           </a:bodyPr>
@@ -30573,7 +31635,7 @@
           <a:p>
             <a:fld id="{18A68613-FF0B-4246-B613-8295211CFAFA}" type="slidenum">
               <a:rPr lang="en-US" smtClean="0"/>
-              <a:t>39</a:t>
+              <a:t>41</a:t>
             </a:fld>
             <a:endParaRPr lang="en-US"/>
           </a:p>
@@ -30694,254 +31756,7 @@
 </p:sld>
 </file>
 
-<file path=ppt/slides/slide4.xml><?xml version="1.0" encoding="utf-8"?>
-<p:sld xmlns:a="http://schemas.openxmlformats.org/drawingml/2006/main" xmlns:r="http://schemas.openxmlformats.org/officeDocument/2006/relationships" xmlns:p="http://schemas.openxmlformats.org/presentationml/2006/main">
-  <p:cSld>
-    <p:spTree>
-      <p:nvGrpSpPr>
-        <p:cNvPr id="1" name=""/>
-        <p:cNvGrpSpPr/>
-        <p:nvPr/>
-      </p:nvGrpSpPr>
-      <p:grpSpPr>
-        <a:xfrm>
-          <a:off x="0" y="0"/>
-          <a:ext cx="0" cy="0"/>
-          <a:chOff x="0" y="0"/>
-          <a:chExt cx="0" cy="0"/>
-        </a:xfrm>
-      </p:grpSpPr>
-      <p:sp>
-        <p:nvSpPr>
-          <p:cNvPr id="2" name="Title 1"/>
-          <p:cNvSpPr>
-            <a:spLocks noGrp="1"/>
-          </p:cNvSpPr>
-          <p:nvPr>
-            <p:ph type="title"/>
-          </p:nvPr>
-        </p:nvSpPr>
-        <p:spPr/>
-        <p:txBody>
-          <a:bodyPr/>
-          <a:lstStyle/>
-          <a:p>
-            <a:r>
-              <a:rPr lang="en-US" altLang="zh-CN" dirty="0" smtClean="0"/>
-              <a:t>Data</a:t>
-            </a:r>
-            <a:r>
-              <a:rPr lang="zh-CN" altLang="en-US" dirty="0" smtClean="0"/>
-              <a:t> </a:t>
-            </a:r>
-            <a:r>
-              <a:rPr lang="en-US" altLang="zh-CN" dirty="0" smtClean="0"/>
-              <a:t>Cleaning</a:t>
-            </a:r>
-            <a:endParaRPr lang="en-US" dirty="0"/>
-          </a:p>
-        </p:txBody>
-      </p:sp>
-      <p:sp>
-        <p:nvSpPr>
-          <p:cNvPr id="3" name="Content Placeholder 2"/>
-          <p:cNvSpPr>
-            <a:spLocks noGrp="1"/>
-          </p:cNvSpPr>
-          <p:nvPr>
-            <p:ph idx="1"/>
-          </p:nvPr>
-        </p:nvSpPr>
-        <p:spPr/>
-        <p:txBody>
-          <a:bodyPr>
-            <a:normAutofit fontScale="92500" lnSpcReduction="10000"/>
-          </a:bodyPr>
-          <a:lstStyle/>
-          <a:p>
-            <a:r>
-              <a:rPr lang="en-US" altLang="en-US" sz="2200" dirty="0"/>
-              <a:t>Data in the Real World Is Dirty: Lots of potentially incorrect data, e.g., instrument faulty, human or computer error, and transmission error</a:t>
-            </a:r>
-          </a:p>
-          <a:p>
-            <a:pPr lvl="1"/>
-            <a:r>
-              <a:rPr lang="en-US" altLang="en-US" sz="2200" u="sng" dirty="0"/>
-              <a:t>Incomplete</a:t>
-            </a:r>
-            <a:r>
-              <a:rPr lang="en-US" altLang="en-US" sz="2200" dirty="0"/>
-              <a:t>: lacking attribute values, lacking certain attributes of interest, or containing only aggregate data</a:t>
-            </a:r>
-          </a:p>
-          <a:p>
-            <a:pPr lvl="2"/>
-            <a:r>
-              <a:rPr lang="en-US" altLang="en-US" sz="2200" dirty="0"/>
-              <a:t>e.g., </a:t>
-            </a:r>
-            <a:r>
-              <a:rPr lang="en-US" altLang="en-US" sz="2200" i="1" dirty="0"/>
-              <a:t>Occupation </a:t>
-            </a:r>
-            <a:r>
-              <a:rPr lang="en-US" altLang="en-US" sz="2200" dirty="0"/>
-              <a:t>= “ ” (missing data)</a:t>
-            </a:r>
-          </a:p>
-          <a:p>
-            <a:pPr lvl="1"/>
-            <a:r>
-              <a:rPr lang="en-US" altLang="en-US" sz="2200" u="sng" dirty="0"/>
-              <a:t>Noisy</a:t>
-            </a:r>
-            <a:r>
-              <a:rPr lang="en-US" altLang="en-US" sz="2200" dirty="0"/>
-              <a:t>: containing noise, errors, or outliers</a:t>
-            </a:r>
-          </a:p>
-          <a:p>
-            <a:pPr lvl="2"/>
-            <a:r>
-              <a:rPr lang="en-US" altLang="en-US" sz="2200" dirty="0"/>
-              <a:t>e.g., </a:t>
-            </a:r>
-            <a:r>
-              <a:rPr lang="en-US" altLang="en-US" sz="2200" i="1" dirty="0"/>
-              <a:t>Salary </a:t>
-            </a:r>
-            <a:r>
-              <a:rPr lang="en-US" altLang="en-US" sz="2200" dirty="0"/>
-              <a:t>= “</a:t>
-            </a:r>
-            <a:r>
-              <a:rPr lang="en-US" altLang="en-US" sz="2200" dirty="0">
-                <a:cs typeface="Tahoma" panose="020B0604030504040204" pitchFamily="34" charset="0"/>
-              </a:rPr>
-              <a:t>−</a:t>
-            </a:r>
-            <a:r>
-              <a:rPr lang="en-US" altLang="en-US" sz="2200" dirty="0"/>
-              <a:t>10” (an error)</a:t>
-            </a:r>
-          </a:p>
-          <a:p>
-            <a:pPr lvl="1"/>
-            <a:r>
-              <a:rPr lang="en-US" altLang="en-US" sz="2200" u="sng" dirty="0"/>
-              <a:t>Inconsistent</a:t>
-            </a:r>
-            <a:r>
-              <a:rPr lang="en-US" altLang="en-US" sz="2200" dirty="0"/>
-              <a:t>: containing discrepancies in codes or names, e.g.,</a:t>
-            </a:r>
-          </a:p>
-          <a:p>
-            <a:pPr lvl="2"/>
-            <a:r>
-              <a:rPr lang="en-US" altLang="en-US" sz="2200" i="1" dirty="0"/>
-              <a:t>Age </a:t>
-            </a:r>
-            <a:r>
-              <a:rPr lang="en-US" altLang="en-US" sz="2200" dirty="0"/>
-              <a:t>= “42”, </a:t>
-            </a:r>
-            <a:r>
-              <a:rPr lang="en-US" altLang="en-US" sz="2200" i="1" dirty="0"/>
-              <a:t>Birthday </a:t>
-            </a:r>
-            <a:r>
-              <a:rPr lang="en-US" altLang="en-US" sz="2200" dirty="0"/>
-              <a:t>= “03/07/2010”</a:t>
-            </a:r>
-          </a:p>
-          <a:p>
-            <a:pPr lvl="2"/>
-            <a:r>
-              <a:rPr lang="en-US" altLang="en-US" sz="2200" dirty="0"/>
-              <a:t>Was rating “1, 2, 3”, now rating “A, B, C”</a:t>
-            </a:r>
-          </a:p>
-          <a:p>
-            <a:pPr lvl="2"/>
-            <a:r>
-              <a:rPr lang="en-US" altLang="en-US" sz="2200" dirty="0"/>
-              <a:t>discrepancy between duplicate records</a:t>
-            </a:r>
-          </a:p>
-          <a:p>
-            <a:pPr lvl="1"/>
-            <a:r>
-              <a:rPr lang="en-US" altLang="en-US" sz="2200" u="sng" dirty="0"/>
-              <a:t>Intentional</a:t>
-            </a:r>
-            <a:r>
-              <a:rPr lang="en-US" altLang="en-US" sz="2200" b="1" u="sng" dirty="0"/>
-              <a:t> </a:t>
-            </a:r>
-            <a:r>
-              <a:rPr lang="en-US" altLang="en-US" sz="2200" dirty="0"/>
-              <a:t>(e.g., </a:t>
-            </a:r>
-            <a:r>
-              <a:rPr lang="en-US" altLang="en-US" sz="2200" i="1" dirty="0"/>
-              <a:t>disguised missing</a:t>
-            </a:r>
-            <a:r>
-              <a:rPr lang="en-US" altLang="en-US" sz="2200" dirty="0"/>
-              <a:t> data)</a:t>
-            </a:r>
-          </a:p>
-          <a:p>
-            <a:pPr lvl="2"/>
-            <a:r>
-              <a:rPr lang="en-US" altLang="en-US" sz="2200" dirty="0"/>
-              <a:t>Jan. 1 as everyone’s birthday?</a:t>
-            </a:r>
-          </a:p>
-          <a:p>
-            <a:endParaRPr lang="en-US" dirty="0"/>
-          </a:p>
-        </p:txBody>
-      </p:sp>
-      <p:sp>
-        <p:nvSpPr>
-          <p:cNvPr id="4" name="Slide Number Placeholder 3"/>
-          <p:cNvSpPr>
-            <a:spLocks noGrp="1"/>
-          </p:cNvSpPr>
-          <p:nvPr>
-            <p:ph type="sldNum" sz="quarter" idx="12"/>
-          </p:nvPr>
-        </p:nvSpPr>
-        <p:spPr/>
-        <p:txBody>
-          <a:bodyPr/>
-          <a:lstStyle/>
-          <a:p>
-            <a:fld id="{18A68613-FF0B-4246-B613-8295211CFAFA}" type="slidenum">
-              <a:rPr lang="en-US" smtClean="0"/>
-              <a:t>4</a:t>
-            </a:fld>
-            <a:endParaRPr lang="en-US"/>
-          </a:p>
-        </p:txBody>
-      </p:sp>
-    </p:spTree>
-    <p:extLst>
-      <p:ext uri="{BB962C8B-B14F-4D97-AF65-F5344CB8AC3E}">
-        <p14:creationId xmlns:p14="http://schemas.microsoft.com/office/powerpoint/2010/main" val="1905285657"/>
-      </p:ext>
-    </p:extLst>
-  </p:cSld>
-  <p:clrMapOvr>
-    <a:masterClrMapping/>
-  </p:clrMapOvr>
-</p:sld>
-</file>
-
-<file path=ppt/slides/slide40.xml><?xml version="1.0" encoding="utf-8"?>
+<file path=ppt/slides/slide42.xml><?xml version="1.0" encoding="utf-8"?>
 <p:sld xmlns:a="http://schemas.openxmlformats.org/drawingml/2006/main" xmlns:r="http://schemas.openxmlformats.org/officeDocument/2006/relationships" xmlns:p="http://schemas.openxmlformats.org/presentationml/2006/main">
   <p:cSld>
     <p:spTree>
@@ -31192,7 +32007,7 @@
           <a:p>
             <a:fld id="{18A68613-FF0B-4246-B613-8295211CFAFA}" type="slidenum">
               <a:rPr lang="en-US" smtClean="0"/>
-              <a:t>40</a:t>
+              <a:t>42</a:t>
             </a:fld>
             <a:endParaRPr lang="en-US"/>
           </a:p>
@@ -31289,350 +32104,6 @@
 </p:sld>
 </file>
 
-<file path=ppt/slides/slide41.xml><?xml version="1.0" encoding="utf-8"?>
-<p:sld xmlns:a="http://schemas.openxmlformats.org/drawingml/2006/main" xmlns:r="http://schemas.openxmlformats.org/officeDocument/2006/relationships" xmlns:p="http://schemas.openxmlformats.org/presentationml/2006/main">
-  <p:cSld>
-    <p:spTree>
-      <p:nvGrpSpPr>
-        <p:cNvPr id="1" name=""/>
-        <p:cNvGrpSpPr/>
-        <p:nvPr/>
-      </p:nvGrpSpPr>
-      <p:grpSpPr>
-        <a:xfrm>
-          <a:off x="0" y="0"/>
-          <a:ext cx="0" cy="0"/>
-          <a:chOff x="0" y="0"/>
-          <a:chExt cx="0" cy="0"/>
-        </a:xfrm>
-      </p:grpSpPr>
-      <p:sp>
-        <p:nvSpPr>
-          <p:cNvPr id="2" name="Title 1"/>
-          <p:cNvSpPr>
-            <a:spLocks noGrp="1"/>
-          </p:cNvSpPr>
-          <p:nvPr>
-            <p:ph type="title"/>
-          </p:nvPr>
-        </p:nvSpPr>
-        <p:spPr/>
-        <p:txBody>
-          <a:bodyPr/>
-          <a:lstStyle/>
-          <a:p>
-            <a:r>
-              <a:rPr lang="en-US" altLang="en-US" smtClean="0"/>
-              <a:t>Attribute Subset Selection</a:t>
-            </a:r>
-            <a:endParaRPr lang="en-US" dirty="0"/>
-          </a:p>
-        </p:txBody>
-      </p:sp>
-      <p:sp>
-        <p:nvSpPr>
-          <p:cNvPr id="3" name="Content Placeholder 2"/>
-          <p:cNvSpPr>
-            <a:spLocks noGrp="1"/>
-          </p:cNvSpPr>
-          <p:nvPr>
-            <p:ph idx="1"/>
-          </p:nvPr>
-        </p:nvSpPr>
-        <p:spPr/>
-        <p:txBody>
-          <a:bodyPr>
-            <a:normAutofit fontScale="92500" lnSpcReduction="10000"/>
-          </a:bodyPr>
-          <a:lstStyle/>
-          <a:p>
-            <a:r>
-              <a:rPr lang="en-US" altLang="en-US" dirty="0" smtClean="0"/>
-              <a:t>Another way to reduce dimensionality of data</a:t>
-            </a:r>
-          </a:p>
-          <a:p>
-            <a:r>
-              <a:rPr lang="en-US" altLang="en-US" dirty="0" smtClean="0"/>
-              <a:t>Redundant attributes </a:t>
-            </a:r>
-          </a:p>
-          <a:p>
-            <a:pPr lvl="1"/>
-            <a:r>
-              <a:rPr lang="en-US" altLang="en-US" dirty="0" smtClean="0"/>
-              <a:t>Duplicate much or all of the information contained in one or more other attributes</a:t>
-            </a:r>
-          </a:p>
-          <a:p>
-            <a:pPr lvl="2"/>
-            <a:r>
-              <a:rPr lang="en-US" altLang="en-US" dirty="0" smtClean="0"/>
-              <a:t>E.g., purchase price of a product and the amount of sales tax paid</a:t>
-            </a:r>
-          </a:p>
-          <a:p>
-            <a:r>
-              <a:rPr lang="en-US" altLang="en-US" dirty="0" smtClean="0"/>
-              <a:t>Irrelevant attributes</a:t>
-            </a:r>
-          </a:p>
-          <a:p>
-            <a:pPr lvl="1"/>
-            <a:r>
-              <a:rPr lang="en-US" altLang="en-US" dirty="0" smtClean="0"/>
-              <a:t>Contain no information that is useful for the data mining task at hand</a:t>
-            </a:r>
-          </a:p>
-          <a:p>
-            <a:pPr lvl="2"/>
-            <a:r>
-              <a:rPr lang="en-US" altLang="en-US" dirty="0" smtClean="0"/>
-              <a:t>Ex. A student’s ID is often irrelevant to the task of predicting his/her GPA</a:t>
-            </a:r>
-          </a:p>
-          <a:p>
-            <a:endParaRPr lang="en-US" dirty="0"/>
-          </a:p>
-        </p:txBody>
-      </p:sp>
-      <p:sp>
-        <p:nvSpPr>
-          <p:cNvPr id="4" name="Slide Number Placeholder 3"/>
-          <p:cNvSpPr>
-            <a:spLocks noGrp="1"/>
-          </p:cNvSpPr>
-          <p:nvPr>
-            <p:ph type="sldNum" sz="quarter" idx="12"/>
-          </p:nvPr>
-        </p:nvSpPr>
-        <p:spPr/>
-        <p:txBody>
-          <a:bodyPr/>
-          <a:lstStyle/>
-          <a:p>
-            <a:fld id="{18A68613-FF0B-4246-B613-8295211CFAFA}" type="slidenum">
-              <a:rPr lang="en-US" smtClean="0"/>
-              <a:pPr/>
-              <a:t>41</a:t>
-            </a:fld>
-            <a:endParaRPr lang="en-US"/>
-          </a:p>
-        </p:txBody>
-      </p:sp>
-    </p:spTree>
-    <p:extLst>
-      <p:ext uri="{BB962C8B-B14F-4D97-AF65-F5344CB8AC3E}">
-        <p14:creationId xmlns:p14="http://schemas.microsoft.com/office/powerpoint/2010/main" val="1125642876"/>
-      </p:ext>
-    </p:extLst>
-  </p:cSld>
-  <p:clrMapOvr>
-    <a:masterClrMapping/>
-  </p:clrMapOvr>
-</p:sld>
-</file>
-
-<file path=ppt/slides/slide42.xml><?xml version="1.0" encoding="utf-8"?>
-<p:sld xmlns:a="http://schemas.openxmlformats.org/drawingml/2006/main" xmlns:r="http://schemas.openxmlformats.org/officeDocument/2006/relationships" xmlns:p="http://schemas.openxmlformats.org/presentationml/2006/main">
-  <p:cSld>
-    <p:spTree>
-      <p:nvGrpSpPr>
-        <p:cNvPr id="1" name=""/>
-        <p:cNvGrpSpPr/>
-        <p:nvPr/>
-      </p:nvGrpSpPr>
-      <p:grpSpPr>
-        <a:xfrm>
-          <a:off x="0" y="0"/>
-          <a:ext cx="0" cy="0"/>
-          <a:chOff x="0" y="0"/>
-          <a:chExt cx="0" cy="0"/>
-        </a:xfrm>
-      </p:grpSpPr>
-      <p:sp>
-        <p:nvSpPr>
-          <p:cNvPr id="2" name="Title 1"/>
-          <p:cNvSpPr>
-            <a:spLocks noGrp="1"/>
-          </p:cNvSpPr>
-          <p:nvPr>
-            <p:ph type="title"/>
-          </p:nvPr>
-        </p:nvSpPr>
-        <p:spPr/>
-        <p:txBody>
-          <a:bodyPr>
-            <a:normAutofit fontScale="90000"/>
-          </a:bodyPr>
-          <a:lstStyle/>
-          <a:p>
-            <a:r>
-              <a:rPr lang="en-US" altLang="en-US" dirty="0"/>
-              <a:t>Heuristic Search in Attribute Selection</a:t>
-            </a:r>
-            <a:endParaRPr lang="en-US" dirty="0"/>
-          </a:p>
-        </p:txBody>
-      </p:sp>
-      <p:sp>
-        <p:nvSpPr>
-          <p:cNvPr id="3" name="Content Placeholder 2"/>
-          <p:cNvSpPr>
-            <a:spLocks noGrp="1"/>
-          </p:cNvSpPr>
-          <p:nvPr>
-            <p:ph idx="1"/>
-          </p:nvPr>
-        </p:nvSpPr>
-        <p:spPr/>
-        <p:txBody>
-          <a:bodyPr>
-            <a:normAutofit fontScale="92500" lnSpcReduction="10000"/>
-          </a:bodyPr>
-          <a:lstStyle/>
-          <a:p>
-            <a:r>
-              <a:rPr lang="en-US" altLang="en-US" sz="2400" dirty="0"/>
-              <a:t>There are </a:t>
-            </a:r>
-            <a:r>
-              <a:rPr lang="en-US" altLang="en-US" sz="2400" i="1" dirty="0"/>
-              <a:t>2</a:t>
-            </a:r>
-            <a:r>
-              <a:rPr lang="en-US" altLang="en-US" sz="2400" i="1" baseline="30000" dirty="0"/>
-              <a:t>d</a:t>
-            </a:r>
-            <a:r>
-              <a:rPr lang="en-US" altLang="en-US" sz="2400" dirty="0"/>
-              <a:t> possible attribute combinations of </a:t>
-            </a:r>
-            <a:r>
-              <a:rPr lang="en-US" altLang="en-US" sz="2400" i="1" dirty="0"/>
-              <a:t>d</a:t>
-            </a:r>
-            <a:r>
-              <a:rPr lang="en-US" altLang="en-US" sz="2400" dirty="0"/>
-              <a:t>  attributes</a:t>
-            </a:r>
-          </a:p>
-          <a:p>
-            <a:r>
-              <a:rPr lang="en-US" altLang="en-US" sz="2400" dirty="0"/>
-              <a:t>Typical heuristic attribute selection methods:</a:t>
-            </a:r>
-          </a:p>
-          <a:p>
-            <a:pPr lvl="1"/>
-            <a:r>
-              <a:rPr lang="en-US" altLang="en-US" sz="2400" dirty="0"/>
-              <a:t>Best single attribute under the attribute independence assumption: choose by significance tests</a:t>
-            </a:r>
-          </a:p>
-          <a:p>
-            <a:pPr lvl="1"/>
-            <a:r>
-              <a:rPr lang="en-US" altLang="en-US" sz="2400" dirty="0"/>
-              <a:t>Best step-wise feature selection:</a:t>
-            </a:r>
-          </a:p>
-          <a:p>
-            <a:pPr lvl="2"/>
-            <a:r>
-              <a:rPr lang="en-US" altLang="en-US" dirty="0"/>
-              <a:t>The best single-attribute is picked first</a:t>
-            </a:r>
-          </a:p>
-          <a:p>
-            <a:pPr lvl="2"/>
-            <a:r>
-              <a:rPr lang="en-US" altLang="en-US" dirty="0"/>
-              <a:t>Then next best attribute condition to the first, ...</a:t>
-            </a:r>
-          </a:p>
-          <a:p>
-            <a:pPr lvl="1"/>
-            <a:r>
-              <a:rPr lang="en-US" altLang="en-US" sz="2400" dirty="0"/>
-              <a:t>Step-wise attribute elimination:</a:t>
-            </a:r>
-          </a:p>
-          <a:p>
-            <a:pPr lvl="2"/>
-            <a:r>
-              <a:rPr lang="en-US" altLang="en-US" dirty="0"/>
-              <a:t>Repeatedly eliminate the worst attribute</a:t>
-            </a:r>
-          </a:p>
-          <a:p>
-            <a:pPr lvl="1"/>
-            <a:r>
-              <a:rPr lang="en-US" altLang="en-US" sz="2400" dirty="0"/>
-              <a:t>Best combined attribute selection and elimination</a:t>
-            </a:r>
-          </a:p>
-          <a:p>
-            <a:pPr lvl="1"/>
-            <a:r>
-              <a:rPr lang="en-US" altLang="en-US" sz="2400" dirty="0"/>
-              <a:t>Optimal branch and bound:</a:t>
-            </a:r>
-          </a:p>
-          <a:p>
-            <a:pPr lvl="2"/>
-            <a:r>
-              <a:rPr lang="en-US" altLang="en-US" dirty="0">
-                <a:sym typeface="Symbol" panose="05050102010706020507" pitchFamily="18" charset="2"/>
-              </a:rPr>
-              <a:t>Use attribute elimination and </a:t>
-            </a:r>
-            <a:r>
-              <a:rPr lang="en-US" altLang="en-US" dirty="0" smtClean="0">
-                <a:sym typeface="Symbol" panose="05050102010706020507" pitchFamily="18" charset="2"/>
-              </a:rPr>
-              <a:t>backtracking</a:t>
-            </a:r>
-            <a:endParaRPr lang="en-US" altLang="en-US" dirty="0"/>
-          </a:p>
-        </p:txBody>
-      </p:sp>
-      <p:sp>
-        <p:nvSpPr>
-          <p:cNvPr id="4" name="Slide Number Placeholder 3"/>
-          <p:cNvSpPr>
-            <a:spLocks noGrp="1"/>
-          </p:cNvSpPr>
-          <p:nvPr>
-            <p:ph type="sldNum" sz="quarter" idx="12"/>
-          </p:nvPr>
-        </p:nvSpPr>
-        <p:spPr/>
-        <p:txBody>
-          <a:bodyPr/>
-          <a:lstStyle/>
-          <a:p>
-            <a:fld id="{18A68613-FF0B-4246-B613-8295211CFAFA}" type="slidenum">
-              <a:rPr lang="en-US" smtClean="0"/>
-              <a:t>42</a:t>
-            </a:fld>
-            <a:endParaRPr lang="en-US"/>
-          </a:p>
-        </p:txBody>
-      </p:sp>
-    </p:spTree>
-    <p:extLst>
-      <p:ext uri="{BB962C8B-B14F-4D97-AF65-F5344CB8AC3E}">
-        <p14:creationId xmlns:p14="http://schemas.microsoft.com/office/powerpoint/2010/main" val="318154746"/>
-      </p:ext>
-    </p:extLst>
-  </p:cSld>
-  <p:clrMapOvr>
-    <a:masterClrMapping/>
-  </p:clrMapOvr>
-</p:sld>
-</file>
-
 <file path=ppt/slides/slide43.xml><?xml version="1.0" encoding="utf-8"?>
 <p:sld xmlns:a="http://schemas.openxmlformats.org/drawingml/2006/main" xmlns:r="http://schemas.openxmlformats.org/officeDocument/2006/relationships" xmlns:p="http://schemas.openxmlformats.org/presentationml/2006/main">
   <p:cSld>
@@ -31666,8 +32137,8 @@
           <a:lstStyle/>
           <a:p>
             <a:r>
-              <a:rPr lang="en-US" altLang="zh-CN" dirty="0" smtClean="0"/>
-              <a:t>Summary</a:t>
+              <a:rPr lang="en-US" altLang="en-US" smtClean="0"/>
+              <a:t>Attribute Subset Selection</a:t>
             </a:r>
             <a:endParaRPr lang="en-US" dirty="0"/>
           </a:p>
@@ -31686,137 +32157,57 @@
         <p:spPr/>
         <p:txBody>
           <a:bodyPr>
-            <a:normAutofit lnSpcReduction="10000"/>
+            <a:normAutofit fontScale="92500" lnSpcReduction="10000"/>
           </a:bodyPr>
           <a:lstStyle/>
           <a:p>
-            <a:pPr>
-              <a:spcAft>
-                <a:spcPts val="600"/>
-              </a:spcAft>
-            </a:pPr>
-            <a:r>
-              <a:rPr lang="en-US" altLang="en-US" sz="2400" b="1" dirty="0"/>
-              <a:t>Data quality</a:t>
-            </a:r>
-            <a:r>
-              <a:rPr lang="en-US" altLang="en-US" sz="2400" dirty="0"/>
-              <a:t>: accuracy, completeness, consistency, timeliness, believability, interpretability</a:t>
-            </a:r>
-          </a:p>
-          <a:p>
-            <a:pPr>
-              <a:spcAft>
-                <a:spcPts val="600"/>
-              </a:spcAft>
-            </a:pPr>
-            <a:r>
-              <a:rPr lang="en-US" altLang="en-US" sz="2400" b="1" dirty="0"/>
-              <a:t>Data cleaning</a:t>
-            </a:r>
-            <a:r>
-              <a:rPr lang="en-US" altLang="en-US" sz="2400" dirty="0"/>
-              <a:t>: e.g. missing/noisy values, outliers</a:t>
-            </a:r>
-          </a:p>
-          <a:p>
-            <a:pPr>
-              <a:spcAft>
-                <a:spcPts val="600"/>
-              </a:spcAft>
-            </a:pPr>
-            <a:r>
-              <a:rPr lang="en-US" altLang="en-US" sz="2400" b="1" dirty="0"/>
-              <a:t>Data integration</a:t>
-            </a:r>
-            <a:r>
-              <a:rPr lang="en-US" altLang="en-US" sz="2400" dirty="0"/>
-              <a:t> from multiple sources: </a:t>
-            </a:r>
-          </a:p>
-          <a:p>
-            <a:pPr lvl="1">
-              <a:spcAft>
-                <a:spcPts val="600"/>
-              </a:spcAft>
-            </a:pPr>
-            <a:r>
-              <a:rPr lang="en-US" altLang="en-US" sz="2400" dirty="0"/>
-              <a:t>Entity identification problem; Remove redundancies; Detect inconsistencies</a:t>
-            </a:r>
-          </a:p>
-          <a:p>
-            <a:pPr>
-              <a:spcAft>
-                <a:spcPts val="600"/>
-              </a:spcAft>
-            </a:pPr>
-            <a:r>
-              <a:rPr lang="en-US" altLang="en-US" sz="2400" b="1" dirty="0"/>
-              <a:t>Data </a:t>
-            </a:r>
-            <a:r>
-              <a:rPr lang="en-US" altLang="en-US" sz="2400" b="1" dirty="0" smtClean="0"/>
-              <a:t>reduction</a:t>
-            </a:r>
-            <a:r>
-              <a:rPr lang="zh-CN" altLang="en-US" sz="2400" b="1" dirty="0" smtClean="0"/>
-              <a:t> </a:t>
-            </a:r>
-            <a:r>
-              <a:rPr lang="en-US" altLang="zh-CN" sz="2400" b="1" dirty="0" smtClean="0"/>
-              <a:t>and</a:t>
-            </a:r>
-            <a:r>
-              <a:rPr lang="en-US" altLang="en-US" sz="2400" b="1" dirty="0" smtClean="0"/>
-              <a:t> </a:t>
-            </a:r>
-            <a:r>
-              <a:rPr lang="en-US" altLang="en-US" sz="2400" b="1" dirty="0"/>
-              <a:t>data </a:t>
-            </a:r>
-            <a:r>
-              <a:rPr lang="en-US" altLang="en-US" sz="2400" b="1" dirty="0" smtClean="0"/>
-              <a:t>transformation</a:t>
-            </a:r>
-          </a:p>
-          <a:p>
-            <a:pPr lvl="1">
-              <a:spcAft>
-                <a:spcPts val="600"/>
-              </a:spcAft>
-            </a:pPr>
-            <a:r>
-              <a:rPr lang="en-US" altLang="en-US" sz="2400" dirty="0" err="1" smtClean="0"/>
-              <a:t>Numerosity</a:t>
-            </a:r>
-            <a:r>
-              <a:rPr lang="en-US" altLang="en-US" sz="2400" dirty="0" smtClean="0"/>
-              <a:t> reduction; Data compression</a:t>
-            </a:r>
-          </a:p>
-          <a:p>
-            <a:pPr lvl="1">
-              <a:spcAft>
-                <a:spcPts val="600"/>
-              </a:spcAft>
-            </a:pPr>
-            <a:r>
-              <a:rPr lang="en-US" altLang="en-US" sz="2400" dirty="0" smtClean="0"/>
-              <a:t>Normalization</a:t>
-            </a:r>
-          </a:p>
-          <a:p>
-            <a:pPr>
-              <a:spcAft>
-                <a:spcPts val="600"/>
-              </a:spcAft>
-            </a:pPr>
-            <a:r>
-              <a:rPr lang="en-US" altLang="en-US" sz="2400" b="1" dirty="0" smtClean="0"/>
-              <a:t>Dimensionality reduction</a:t>
-            </a:r>
-            <a:endParaRPr lang="en-US" altLang="en-US" sz="2400" b="1" dirty="0"/>
+            <a:r>
+              <a:rPr lang="en-US" altLang="en-US" dirty="0" smtClean="0"/>
+              <a:t>Another way to reduce dimensionality of data</a:t>
+            </a:r>
+          </a:p>
+          <a:p>
+            <a:r>
+              <a:rPr lang="en-US" altLang="en-US" dirty="0" smtClean="0"/>
+              <a:t>Redundant attributes </a:t>
+            </a:r>
+          </a:p>
+          <a:p>
+            <a:pPr lvl="1"/>
+            <a:r>
+              <a:rPr lang="en-US" altLang="en-US" dirty="0" smtClean="0"/>
+              <a:t>Duplicate much or all of the information contained in one or more other attributes</a:t>
+            </a:r>
+          </a:p>
+          <a:p>
+            <a:pPr lvl="2"/>
+            <a:r>
+              <a:rPr lang="en-US" altLang="en-US" dirty="0" smtClean="0"/>
+              <a:t>E.g., purchase price of a product and the amount of sales tax paid</a:t>
+            </a:r>
+          </a:p>
+          <a:p>
+            <a:r>
+              <a:rPr lang="en-US" altLang="en-US" dirty="0" smtClean="0"/>
+              <a:t>Irrelevant attributes</a:t>
+            </a:r>
+          </a:p>
+          <a:p>
+            <a:pPr lvl="1"/>
+            <a:r>
+              <a:rPr lang="en-US" altLang="en-US" dirty="0" smtClean="0"/>
+              <a:t>Contain no information that is useful for the data mining task at hand</a:t>
+            </a:r>
+          </a:p>
+          <a:p>
+            <a:pPr lvl="2"/>
+            <a:r>
+              <a:rPr lang="en-US" altLang="en-US" dirty="0" smtClean="0"/>
+              <a:t>Ex. A student’s ID is often irrelevant to the task of predicting his/her GPA</a:t>
+            </a:r>
+          </a:p>
+          <a:p>
+            <a:endParaRPr lang="en-US" dirty="0"/>
           </a:p>
         </p:txBody>
       </p:sp>
@@ -31837,6 +32228,7 @@
           <a:p>
             <a:fld id="{18A68613-FF0B-4246-B613-8295211CFAFA}" type="slidenum">
               <a:rPr lang="en-US" smtClean="0"/>
+              <a:pPr/>
               <a:t>43</a:t>
             </a:fld>
             <a:endParaRPr lang="en-US"/>
@@ -31846,7 +32238,7 @@
     </p:spTree>
     <p:extLst>
       <p:ext uri="{BB962C8B-B14F-4D97-AF65-F5344CB8AC3E}">
-        <p14:creationId xmlns:p14="http://schemas.microsoft.com/office/powerpoint/2010/main" val="1237145717"/>
+        <p14:creationId xmlns:p14="http://schemas.microsoft.com/office/powerpoint/2010/main" val="1125642876"/>
       </p:ext>
     </p:extLst>
   </p:cSld>
@@ -31885,6 +32277,429 @@
         </p:nvSpPr>
         <p:spPr/>
         <p:txBody>
+          <a:bodyPr>
+            <a:normAutofit fontScale="90000"/>
+          </a:bodyPr>
+          <a:lstStyle/>
+          <a:p>
+            <a:r>
+              <a:rPr lang="en-US" altLang="en-US" dirty="0"/>
+              <a:t>Heuristic Search in Attribute Selection</a:t>
+            </a:r>
+            <a:endParaRPr lang="en-US" dirty="0"/>
+          </a:p>
+        </p:txBody>
+      </p:sp>
+      <p:sp>
+        <p:nvSpPr>
+          <p:cNvPr id="3" name="Content Placeholder 2"/>
+          <p:cNvSpPr>
+            <a:spLocks noGrp="1"/>
+          </p:cNvSpPr>
+          <p:nvPr>
+            <p:ph idx="1"/>
+          </p:nvPr>
+        </p:nvSpPr>
+        <p:spPr/>
+        <p:txBody>
+          <a:bodyPr>
+            <a:normAutofit fontScale="92500" lnSpcReduction="10000"/>
+          </a:bodyPr>
+          <a:lstStyle/>
+          <a:p>
+            <a:r>
+              <a:rPr lang="en-US" altLang="en-US" sz="2400" dirty="0"/>
+              <a:t>There are </a:t>
+            </a:r>
+            <a:r>
+              <a:rPr lang="en-US" altLang="en-US" sz="2400" i="1" dirty="0"/>
+              <a:t>2</a:t>
+            </a:r>
+            <a:r>
+              <a:rPr lang="en-US" altLang="en-US" sz="2400" i="1" baseline="30000" dirty="0"/>
+              <a:t>d</a:t>
+            </a:r>
+            <a:r>
+              <a:rPr lang="en-US" altLang="en-US" sz="2400" dirty="0"/>
+              <a:t> possible attribute combinations of </a:t>
+            </a:r>
+            <a:r>
+              <a:rPr lang="en-US" altLang="en-US" sz="2400" i="1" dirty="0"/>
+              <a:t>d</a:t>
+            </a:r>
+            <a:r>
+              <a:rPr lang="en-US" altLang="en-US" sz="2400" dirty="0"/>
+              <a:t>  attributes</a:t>
+            </a:r>
+          </a:p>
+          <a:p>
+            <a:r>
+              <a:rPr lang="en-US" altLang="en-US" sz="2400" dirty="0"/>
+              <a:t>Typical heuristic attribute selection methods:</a:t>
+            </a:r>
+          </a:p>
+          <a:p>
+            <a:pPr lvl="1"/>
+            <a:r>
+              <a:rPr lang="en-US" altLang="en-US" sz="2400" dirty="0"/>
+              <a:t>Best single attribute under the attribute independence assumption: choose by significance tests</a:t>
+            </a:r>
+          </a:p>
+          <a:p>
+            <a:pPr lvl="1"/>
+            <a:r>
+              <a:rPr lang="en-US" altLang="en-US" sz="2400" dirty="0"/>
+              <a:t>Best step-wise feature selection:</a:t>
+            </a:r>
+          </a:p>
+          <a:p>
+            <a:pPr lvl="2"/>
+            <a:r>
+              <a:rPr lang="en-US" altLang="en-US" dirty="0"/>
+              <a:t>The best single-attribute is picked first</a:t>
+            </a:r>
+          </a:p>
+          <a:p>
+            <a:pPr lvl="2"/>
+            <a:r>
+              <a:rPr lang="en-US" altLang="en-US" dirty="0"/>
+              <a:t>Then next best attribute condition to the first, ...</a:t>
+            </a:r>
+          </a:p>
+          <a:p>
+            <a:pPr lvl="1"/>
+            <a:r>
+              <a:rPr lang="en-US" altLang="en-US" sz="2400" dirty="0"/>
+              <a:t>Step-wise attribute elimination:</a:t>
+            </a:r>
+          </a:p>
+          <a:p>
+            <a:pPr lvl="2"/>
+            <a:r>
+              <a:rPr lang="en-US" altLang="en-US" dirty="0"/>
+              <a:t>Repeatedly eliminate the worst attribute</a:t>
+            </a:r>
+          </a:p>
+          <a:p>
+            <a:pPr lvl="1"/>
+            <a:r>
+              <a:rPr lang="en-US" altLang="en-US" sz="2400" dirty="0"/>
+              <a:t>Best combined attribute selection and elimination</a:t>
+            </a:r>
+          </a:p>
+          <a:p>
+            <a:pPr lvl="1"/>
+            <a:r>
+              <a:rPr lang="en-US" altLang="en-US" sz="2400" dirty="0"/>
+              <a:t>Optimal branch and bound:</a:t>
+            </a:r>
+          </a:p>
+          <a:p>
+            <a:pPr lvl="2"/>
+            <a:r>
+              <a:rPr lang="en-US" altLang="en-US" dirty="0">
+                <a:sym typeface="Symbol" panose="05050102010706020507" pitchFamily="18" charset="2"/>
+              </a:rPr>
+              <a:t>Use attribute elimination and </a:t>
+            </a:r>
+            <a:r>
+              <a:rPr lang="en-US" altLang="en-US" dirty="0" smtClean="0">
+                <a:sym typeface="Symbol" panose="05050102010706020507" pitchFamily="18" charset="2"/>
+              </a:rPr>
+              <a:t>backtracking</a:t>
+            </a:r>
+            <a:endParaRPr lang="en-US" altLang="en-US" dirty="0"/>
+          </a:p>
+        </p:txBody>
+      </p:sp>
+      <p:sp>
+        <p:nvSpPr>
+          <p:cNvPr id="4" name="Slide Number Placeholder 3"/>
+          <p:cNvSpPr>
+            <a:spLocks noGrp="1"/>
+          </p:cNvSpPr>
+          <p:nvPr>
+            <p:ph type="sldNum" sz="quarter" idx="12"/>
+          </p:nvPr>
+        </p:nvSpPr>
+        <p:spPr/>
+        <p:txBody>
+          <a:bodyPr/>
+          <a:lstStyle/>
+          <a:p>
+            <a:fld id="{18A68613-FF0B-4246-B613-8295211CFAFA}" type="slidenum">
+              <a:rPr lang="en-US" smtClean="0"/>
+              <a:t>44</a:t>
+            </a:fld>
+            <a:endParaRPr lang="en-US"/>
+          </a:p>
+        </p:txBody>
+      </p:sp>
+    </p:spTree>
+    <p:extLst>
+      <p:ext uri="{BB962C8B-B14F-4D97-AF65-F5344CB8AC3E}">
+        <p14:creationId xmlns:p14="http://schemas.microsoft.com/office/powerpoint/2010/main" val="318154746"/>
+      </p:ext>
+    </p:extLst>
+  </p:cSld>
+  <p:clrMapOvr>
+    <a:masterClrMapping/>
+  </p:clrMapOvr>
+</p:sld>
+</file>
+
+<file path=ppt/slides/slide45.xml><?xml version="1.0" encoding="utf-8"?>
+<p:sld xmlns:a="http://schemas.openxmlformats.org/drawingml/2006/main" xmlns:r="http://schemas.openxmlformats.org/officeDocument/2006/relationships" xmlns:p="http://schemas.openxmlformats.org/presentationml/2006/main">
+  <p:cSld>
+    <p:spTree>
+      <p:nvGrpSpPr>
+        <p:cNvPr id="1" name=""/>
+        <p:cNvGrpSpPr/>
+        <p:nvPr/>
+      </p:nvGrpSpPr>
+      <p:grpSpPr>
+        <a:xfrm>
+          <a:off x="0" y="0"/>
+          <a:ext cx="0" cy="0"/>
+          <a:chOff x="0" y="0"/>
+          <a:chExt cx="0" cy="0"/>
+        </a:xfrm>
+      </p:grpSpPr>
+      <p:sp>
+        <p:nvSpPr>
+          <p:cNvPr id="2" name="Title 1"/>
+          <p:cNvSpPr>
+            <a:spLocks noGrp="1"/>
+          </p:cNvSpPr>
+          <p:nvPr>
+            <p:ph type="title"/>
+          </p:nvPr>
+        </p:nvSpPr>
+        <p:spPr/>
+        <p:txBody>
+          <a:bodyPr/>
+          <a:lstStyle/>
+          <a:p>
+            <a:r>
+              <a:rPr lang="en-US" altLang="zh-CN" dirty="0" smtClean="0"/>
+              <a:t>Summary</a:t>
+            </a:r>
+            <a:endParaRPr lang="en-US" dirty="0"/>
+          </a:p>
+        </p:txBody>
+      </p:sp>
+      <p:sp>
+        <p:nvSpPr>
+          <p:cNvPr id="3" name="Content Placeholder 2"/>
+          <p:cNvSpPr>
+            <a:spLocks noGrp="1"/>
+          </p:cNvSpPr>
+          <p:nvPr>
+            <p:ph idx="1"/>
+          </p:nvPr>
+        </p:nvSpPr>
+        <p:spPr/>
+        <p:txBody>
+          <a:bodyPr>
+            <a:normAutofit lnSpcReduction="10000"/>
+          </a:bodyPr>
+          <a:lstStyle/>
+          <a:p>
+            <a:pPr>
+              <a:spcAft>
+                <a:spcPts val="600"/>
+              </a:spcAft>
+            </a:pPr>
+            <a:r>
+              <a:rPr lang="en-US" altLang="en-US" sz="2400" b="1" dirty="0"/>
+              <a:t>Data quality</a:t>
+            </a:r>
+            <a:r>
+              <a:rPr lang="en-US" altLang="en-US" sz="2400" dirty="0"/>
+              <a:t>: accuracy, completeness, consistency, timeliness, believability, interpretability</a:t>
+            </a:r>
+          </a:p>
+          <a:p>
+            <a:pPr>
+              <a:spcAft>
+                <a:spcPts val="600"/>
+              </a:spcAft>
+            </a:pPr>
+            <a:r>
+              <a:rPr lang="en-US" altLang="en-US" sz="2400" b="1" dirty="0"/>
+              <a:t>Data cleaning</a:t>
+            </a:r>
+            <a:r>
+              <a:rPr lang="en-US" altLang="en-US" sz="2400" dirty="0"/>
+              <a:t>: e.g. missing/noisy values, outliers</a:t>
+            </a:r>
+          </a:p>
+          <a:p>
+            <a:pPr>
+              <a:spcAft>
+                <a:spcPts val="600"/>
+              </a:spcAft>
+            </a:pPr>
+            <a:r>
+              <a:rPr lang="en-US" altLang="en-US" sz="2400" b="1" dirty="0"/>
+              <a:t>Data integration</a:t>
+            </a:r>
+            <a:r>
+              <a:rPr lang="en-US" altLang="en-US" sz="2400" dirty="0"/>
+              <a:t> from multiple sources: </a:t>
+            </a:r>
+          </a:p>
+          <a:p>
+            <a:pPr lvl="1">
+              <a:spcAft>
+                <a:spcPts val="600"/>
+              </a:spcAft>
+            </a:pPr>
+            <a:r>
+              <a:rPr lang="en-US" altLang="en-US" sz="2400" dirty="0"/>
+              <a:t>Entity identification problem; Remove redundancies; Detect inconsistencies</a:t>
+            </a:r>
+          </a:p>
+          <a:p>
+            <a:pPr>
+              <a:spcAft>
+                <a:spcPts val="600"/>
+              </a:spcAft>
+            </a:pPr>
+            <a:r>
+              <a:rPr lang="en-US" altLang="en-US" sz="2400" b="1" dirty="0"/>
+              <a:t>Data </a:t>
+            </a:r>
+            <a:r>
+              <a:rPr lang="en-US" altLang="en-US" sz="2400" b="1" dirty="0" smtClean="0"/>
+              <a:t>reduction</a:t>
+            </a:r>
+            <a:r>
+              <a:rPr lang="zh-CN" altLang="en-US" sz="2400" b="1" dirty="0" smtClean="0"/>
+              <a:t> </a:t>
+            </a:r>
+            <a:r>
+              <a:rPr lang="en-US" altLang="zh-CN" sz="2400" b="1" dirty="0" smtClean="0"/>
+              <a:t>and</a:t>
+            </a:r>
+            <a:r>
+              <a:rPr lang="en-US" altLang="en-US" sz="2400" b="1" dirty="0" smtClean="0"/>
+              <a:t> </a:t>
+            </a:r>
+            <a:r>
+              <a:rPr lang="en-US" altLang="en-US" sz="2400" b="1" dirty="0"/>
+              <a:t>data </a:t>
+            </a:r>
+            <a:r>
+              <a:rPr lang="en-US" altLang="en-US" sz="2400" b="1" dirty="0" smtClean="0"/>
+              <a:t>transformation</a:t>
+            </a:r>
+          </a:p>
+          <a:p>
+            <a:pPr lvl="1">
+              <a:spcAft>
+                <a:spcPts val="600"/>
+              </a:spcAft>
+            </a:pPr>
+            <a:r>
+              <a:rPr lang="en-US" altLang="en-US" sz="2400" dirty="0" err="1" smtClean="0"/>
+              <a:t>Numerosity</a:t>
+            </a:r>
+            <a:r>
+              <a:rPr lang="en-US" altLang="en-US" sz="2400" dirty="0" smtClean="0"/>
+              <a:t> reduction; Data compression</a:t>
+            </a:r>
+          </a:p>
+          <a:p>
+            <a:pPr lvl="1">
+              <a:spcAft>
+                <a:spcPts val="600"/>
+              </a:spcAft>
+            </a:pPr>
+            <a:r>
+              <a:rPr lang="en-US" altLang="en-US" sz="2400" dirty="0" smtClean="0"/>
+              <a:t>Normalization</a:t>
+            </a:r>
+          </a:p>
+          <a:p>
+            <a:pPr>
+              <a:spcAft>
+                <a:spcPts val="600"/>
+              </a:spcAft>
+            </a:pPr>
+            <a:r>
+              <a:rPr lang="en-US" altLang="en-US" sz="2400" b="1" dirty="0" smtClean="0"/>
+              <a:t>Dimensionality reduction</a:t>
+            </a:r>
+            <a:endParaRPr lang="en-US" altLang="en-US" sz="2400" b="1" dirty="0"/>
+          </a:p>
+        </p:txBody>
+      </p:sp>
+      <p:sp>
+        <p:nvSpPr>
+          <p:cNvPr id="4" name="Slide Number Placeholder 3"/>
+          <p:cNvSpPr>
+            <a:spLocks noGrp="1"/>
+          </p:cNvSpPr>
+          <p:nvPr>
+            <p:ph type="sldNum" sz="quarter" idx="12"/>
+          </p:nvPr>
+        </p:nvSpPr>
+        <p:spPr/>
+        <p:txBody>
+          <a:bodyPr/>
+          <a:lstStyle/>
+          <a:p>
+            <a:fld id="{18A68613-FF0B-4246-B613-8295211CFAFA}" type="slidenum">
+              <a:rPr lang="en-US" smtClean="0"/>
+              <a:t>45</a:t>
+            </a:fld>
+            <a:endParaRPr lang="en-US"/>
+          </a:p>
+        </p:txBody>
+      </p:sp>
+    </p:spTree>
+    <p:extLst>
+      <p:ext uri="{BB962C8B-B14F-4D97-AF65-F5344CB8AC3E}">
+        <p14:creationId xmlns:p14="http://schemas.microsoft.com/office/powerpoint/2010/main" val="1237145717"/>
+      </p:ext>
+    </p:extLst>
+  </p:cSld>
+  <p:clrMapOvr>
+    <a:masterClrMapping/>
+  </p:clrMapOvr>
+</p:sld>
+</file>
+
+<file path=ppt/slides/slide46.xml><?xml version="1.0" encoding="utf-8"?>
+<p:sld xmlns:a="http://schemas.openxmlformats.org/drawingml/2006/main" xmlns:r="http://schemas.openxmlformats.org/officeDocument/2006/relationships" xmlns:p="http://schemas.openxmlformats.org/presentationml/2006/main">
+  <p:cSld>
+    <p:spTree>
+      <p:nvGrpSpPr>
+        <p:cNvPr id="1" name=""/>
+        <p:cNvGrpSpPr/>
+        <p:nvPr/>
+      </p:nvGrpSpPr>
+      <p:grpSpPr>
+        <a:xfrm>
+          <a:off x="0" y="0"/>
+          <a:ext cx="0" cy="0"/>
+          <a:chOff x="0" y="0"/>
+          <a:chExt cx="0" cy="0"/>
+        </a:xfrm>
+      </p:grpSpPr>
+      <p:sp>
+        <p:nvSpPr>
+          <p:cNvPr id="2" name="Title 1"/>
+          <p:cNvSpPr>
+            <a:spLocks noGrp="1"/>
+          </p:cNvSpPr>
+          <p:nvPr>
+            <p:ph type="title"/>
+          </p:nvPr>
+        </p:nvSpPr>
+        <p:spPr/>
+        <p:txBody>
           <a:bodyPr/>
           <a:lstStyle/>
           <a:p>
@@ -32170,7 +32985,7 @@
           <a:p>
             <a:fld id="{18A68613-FF0B-4246-B613-8295211CFAFA}" type="slidenum">
               <a:rPr lang="en-US" smtClean="0"/>
-              <a:t>44</a:t>
+              <a:t>46</a:t>
             </a:fld>
             <a:endParaRPr lang="en-US"/>
           </a:p>
